--- a/Introduction to Data Analysis and Business Intelligence.pptx
+++ b/Introduction to Data Analysis and Business Intelligence.pptx
@@ -34,6 +34,8 @@
     <p:sldId id="279" r:id="rId28"/>
     <p:sldId id="280" r:id="rId29"/>
     <p:sldId id="281" r:id="rId30"/>
+    <p:sldId id="282" r:id="rId31"/>
+    <p:sldId id="283" r:id="rId32"/>
   </p:sldIdLst>
   <p:sldSz cy="5143500" cx="9144000"/>
   <p:notesSz cx="6858000" cy="9144000"/>
@@ -1192,7 +1194,7 @@
   <p:cSld>
     <p:spTree>
       <p:nvGrpSpPr>
-        <p:cNvPr id="184" name="Shape 184"/>
+        <p:cNvPr id="187" name="Shape 187"/>
         <p:cNvGrpSpPr/>
         <p:nvPr/>
       </p:nvGrpSpPr>
@@ -1206,7 +1208,7 @@
       </p:grpSpPr>
       <p:sp>
         <p:nvSpPr>
-          <p:cNvPr id="185" name="Shape 185"/>
+          <p:cNvPr id="188" name="Shape 188"/>
           <p:cNvSpPr/>
           <p:nvPr>
             <p:ph idx="2" type="sldImg"/>
@@ -1240,7 +1242,7 @@
       </p:sp>
       <p:sp>
         <p:nvSpPr>
-          <p:cNvPr id="186" name="Shape 186"/>
+          <p:cNvPr id="189" name="Shape 189"/>
           <p:cNvSpPr txBox="1"/>
           <p:nvPr>
             <p:ph idx="1" type="body"/>
@@ -1287,7 +1289,7 @@
   <p:cSld>
     <p:spTree>
       <p:nvGrpSpPr>
-        <p:cNvPr id="189" name="Shape 189"/>
+        <p:cNvPr id="192" name="Shape 192"/>
         <p:cNvGrpSpPr/>
         <p:nvPr/>
       </p:nvGrpSpPr>
@@ -1301,7 +1303,7 @@
       </p:grpSpPr>
       <p:sp>
         <p:nvSpPr>
-          <p:cNvPr id="190" name="Shape 190"/>
+          <p:cNvPr id="193" name="Shape 193"/>
           <p:cNvSpPr/>
           <p:nvPr>
             <p:ph idx="2" type="sldImg"/>
@@ -1335,7 +1337,7 @@
       </p:sp>
       <p:sp>
         <p:nvSpPr>
-          <p:cNvPr id="191" name="Shape 191"/>
+          <p:cNvPr id="194" name="Shape 194"/>
           <p:cNvSpPr txBox="1"/>
           <p:nvPr>
             <p:ph idx="1" type="body"/>
@@ -1356,7 +1358,7 @@
           </a:bodyPr>
           <a:lstStyle/>
           <a:p>
-            <a:pPr lvl="0" rtl="0">
+            <a:pPr lvl="0">
               <a:spcBef>
                 <a:spcPts val="0"/>
               </a:spcBef>
@@ -1382,7 +1384,7 @@
   <p:cSld>
     <p:spTree>
       <p:nvGrpSpPr>
-        <p:cNvPr id="194" name="Shape 194"/>
+        <p:cNvPr id="197" name="Shape 197"/>
         <p:cNvGrpSpPr/>
         <p:nvPr/>
       </p:nvGrpSpPr>
@@ -1396,7 +1398,7 @@
       </p:grpSpPr>
       <p:sp>
         <p:nvSpPr>
-          <p:cNvPr id="195" name="Shape 195"/>
+          <p:cNvPr id="198" name="Shape 198"/>
           <p:cNvSpPr/>
           <p:nvPr>
             <p:ph idx="2" type="sldImg"/>
@@ -1430,7 +1432,7 @@
       </p:sp>
       <p:sp>
         <p:nvSpPr>
-          <p:cNvPr id="196" name="Shape 196"/>
+          <p:cNvPr id="199" name="Shape 199"/>
           <p:cNvSpPr txBox="1"/>
           <p:nvPr>
             <p:ph idx="1" type="body"/>
@@ -1451,7 +1453,7 @@
           </a:bodyPr>
           <a:lstStyle/>
           <a:p>
-            <a:pPr lvl="0">
+            <a:pPr lvl="0" rtl="0">
               <a:spcBef>
                 <a:spcPts val="0"/>
               </a:spcBef>
@@ -1572,7 +1574,7 @@
   <p:cSld>
     <p:spTree>
       <p:nvGrpSpPr>
-        <p:cNvPr id="201" name="Shape 201"/>
+        <p:cNvPr id="202" name="Shape 202"/>
         <p:cNvGrpSpPr/>
         <p:nvPr/>
       </p:nvGrpSpPr>
@@ -1586,7 +1588,7 @@
       </p:grpSpPr>
       <p:sp>
         <p:nvSpPr>
-          <p:cNvPr id="202" name="Shape 202"/>
+          <p:cNvPr id="203" name="Shape 203"/>
           <p:cNvSpPr/>
           <p:nvPr>
             <p:ph idx="2" type="sldImg"/>
@@ -1620,7 +1622,7 @@
       </p:sp>
       <p:sp>
         <p:nvSpPr>
-          <p:cNvPr id="203" name="Shape 203"/>
+          <p:cNvPr id="204" name="Shape 204"/>
           <p:cNvSpPr txBox="1"/>
           <p:nvPr>
             <p:ph idx="1" type="body"/>
@@ -1667,7 +1669,7 @@
   <p:cSld>
     <p:spTree>
       <p:nvGrpSpPr>
-        <p:cNvPr id="207" name="Shape 207"/>
+        <p:cNvPr id="209" name="Shape 209"/>
         <p:cNvGrpSpPr/>
         <p:nvPr/>
       </p:nvGrpSpPr>
@@ -1681,7 +1683,7 @@
       </p:grpSpPr>
       <p:sp>
         <p:nvSpPr>
-          <p:cNvPr id="208" name="Shape 208"/>
+          <p:cNvPr id="210" name="Shape 210"/>
           <p:cNvSpPr/>
           <p:nvPr>
             <p:ph idx="2" type="sldImg"/>
@@ -1715,7 +1717,7 @@
       </p:sp>
       <p:sp>
         <p:nvSpPr>
-          <p:cNvPr id="209" name="Shape 209"/>
+          <p:cNvPr id="211" name="Shape 211"/>
           <p:cNvSpPr txBox="1"/>
           <p:nvPr>
             <p:ph idx="1" type="body"/>
@@ -1736,7 +1738,7 @@
           </a:bodyPr>
           <a:lstStyle/>
           <a:p>
-            <a:pPr lvl="0" rtl="0">
+            <a:pPr lvl="0">
               <a:spcBef>
                 <a:spcPts val="0"/>
               </a:spcBef>
@@ -1762,7 +1764,7 @@
   <p:cSld>
     <p:spTree>
       <p:nvGrpSpPr>
-        <p:cNvPr id="212" name="Shape 212"/>
+        <p:cNvPr id="215" name="Shape 215"/>
         <p:cNvGrpSpPr/>
         <p:nvPr/>
       </p:nvGrpSpPr>
@@ -1776,7 +1778,7 @@
       </p:grpSpPr>
       <p:sp>
         <p:nvSpPr>
-          <p:cNvPr id="213" name="Shape 213"/>
+          <p:cNvPr id="216" name="Shape 216"/>
           <p:cNvSpPr/>
           <p:nvPr>
             <p:ph idx="2" type="sldImg"/>
@@ -1810,7 +1812,7 @@
       </p:sp>
       <p:sp>
         <p:nvSpPr>
-          <p:cNvPr id="214" name="Shape 214"/>
+          <p:cNvPr id="217" name="Shape 217"/>
           <p:cNvSpPr txBox="1"/>
           <p:nvPr>
             <p:ph idx="1" type="body"/>
@@ -1831,7 +1833,7 @@
           </a:bodyPr>
           <a:lstStyle/>
           <a:p>
-            <a:pPr lvl="0">
+            <a:pPr lvl="0" rtl="0">
               <a:spcBef>
                 <a:spcPts val="0"/>
               </a:spcBef>
@@ -1857,7 +1859,7 @@
   <p:cSld>
     <p:spTree>
       <p:nvGrpSpPr>
-        <p:cNvPr id="219" name="Shape 219"/>
+        <p:cNvPr id="220" name="Shape 220"/>
         <p:cNvGrpSpPr/>
         <p:nvPr/>
       </p:nvGrpSpPr>
@@ -1871,7 +1873,7 @@
       </p:grpSpPr>
       <p:sp>
         <p:nvSpPr>
-          <p:cNvPr id="220" name="Shape 220"/>
+          <p:cNvPr id="221" name="Shape 221"/>
           <p:cNvSpPr/>
           <p:nvPr>
             <p:ph idx="2" type="sldImg"/>
@@ -1905,7 +1907,7 @@
       </p:sp>
       <p:sp>
         <p:nvSpPr>
-          <p:cNvPr id="221" name="Shape 221"/>
+          <p:cNvPr id="222" name="Shape 222"/>
           <p:cNvSpPr txBox="1"/>
           <p:nvPr>
             <p:ph idx="1" type="body"/>
@@ -1952,7 +1954,7 @@
   <p:cSld>
     <p:spTree>
       <p:nvGrpSpPr>
-        <p:cNvPr id="226" name="Shape 226"/>
+        <p:cNvPr id="227" name="Shape 227"/>
         <p:cNvGrpSpPr/>
         <p:nvPr/>
       </p:nvGrpSpPr>
@@ -1966,7 +1968,7 @@
       </p:grpSpPr>
       <p:sp>
         <p:nvSpPr>
-          <p:cNvPr id="227" name="Shape 227"/>
+          <p:cNvPr id="228" name="Shape 228"/>
           <p:cNvSpPr/>
           <p:nvPr>
             <p:ph idx="2" type="sldImg"/>
@@ -2000,7 +2002,7 @@
       </p:sp>
       <p:sp>
         <p:nvSpPr>
-          <p:cNvPr id="228" name="Shape 228"/>
+          <p:cNvPr id="229" name="Shape 229"/>
           <p:cNvSpPr txBox="1"/>
           <p:nvPr>
             <p:ph idx="1" type="body"/>
@@ -2047,7 +2049,7 @@
   <p:cSld>
     <p:spTree>
       <p:nvGrpSpPr>
-        <p:cNvPr id="232" name="Shape 232"/>
+        <p:cNvPr id="234" name="Shape 234"/>
         <p:cNvGrpSpPr/>
         <p:nvPr/>
       </p:nvGrpSpPr>
@@ -2061,7 +2063,7 @@
       </p:grpSpPr>
       <p:sp>
         <p:nvSpPr>
-          <p:cNvPr id="233" name="Shape 233"/>
+          <p:cNvPr id="235" name="Shape 235"/>
           <p:cNvSpPr/>
           <p:nvPr>
             <p:ph idx="2" type="sldImg"/>
@@ -2095,7 +2097,7 @@
       </p:sp>
       <p:sp>
         <p:nvSpPr>
-          <p:cNvPr id="234" name="Shape 234"/>
+          <p:cNvPr id="236" name="Shape 236"/>
           <p:cNvSpPr txBox="1"/>
           <p:nvPr>
             <p:ph idx="1" type="body"/>
@@ -2142,7 +2144,7 @@
   <p:cSld>
     <p:spTree>
       <p:nvGrpSpPr>
-        <p:cNvPr id="238" name="Shape 238"/>
+        <p:cNvPr id="240" name="Shape 240"/>
         <p:cNvGrpSpPr/>
         <p:nvPr/>
       </p:nvGrpSpPr>
@@ -2156,7 +2158,7 @@
       </p:grpSpPr>
       <p:sp>
         <p:nvSpPr>
-          <p:cNvPr id="239" name="Shape 239"/>
+          <p:cNvPr id="241" name="Shape 241"/>
           <p:cNvSpPr/>
           <p:nvPr>
             <p:ph idx="2" type="sldImg"/>
@@ -2190,7 +2192,197 @@
       </p:sp>
       <p:sp>
         <p:nvSpPr>
-          <p:cNvPr id="240" name="Shape 240"/>
+          <p:cNvPr id="242" name="Shape 242"/>
+          <p:cNvSpPr txBox="1"/>
+          <p:nvPr>
+            <p:ph idx="1" type="body"/>
+          </p:nvPr>
+        </p:nvSpPr>
+        <p:spPr>
+          <a:xfrm>
+            <a:off x="685800" y="4343400"/>
+            <a:ext cx="5486400" cy="4114800"/>
+          </a:xfrm>
+          <a:prstGeom prst="rect">
+            <a:avLst/>
+          </a:prstGeom>
+        </p:spPr>
+        <p:txBody>
+          <a:bodyPr anchorCtr="0" anchor="t" bIns="91425" lIns="91425" rIns="91425" tIns="91425">
+            <a:noAutofit/>
+          </a:bodyPr>
+          <a:lstStyle/>
+          <a:p>
+            <a:pPr lvl="0">
+              <a:spcBef>
+                <a:spcPts val="0"/>
+              </a:spcBef>
+              <a:buNone/>
+            </a:pPr>
+            <a:r>
+              <a:t/>
+            </a:r>
+            <a:endParaRPr/>
+          </a:p>
+        </p:txBody>
+      </p:sp>
+    </p:spTree>
+  </p:cSld>
+  <p:clrMapOvr>
+    <a:masterClrMapping/>
+  </p:clrMapOvr>
+</p:notes>
+</file>
+
+<file path=ppt/notesSlides/notesSlide27.xml><?xml version="1.0" encoding="utf-8"?>
+<p:notes xmlns:a="http://schemas.openxmlformats.org/drawingml/2006/main" xmlns:r="http://schemas.openxmlformats.org/officeDocument/2006/relationships" xmlns:mc="http://schemas.openxmlformats.org/markup-compatibility/2006" xmlns:mv="urn:schemas-microsoft-com:mac:vml" xmlns:p="http://schemas.openxmlformats.org/presentationml/2006/main" xmlns:c="http://schemas.openxmlformats.org/drawingml/2006/chart" xmlns:dgm="http://schemas.openxmlformats.org/drawingml/2006/diagram" xmlns:o="urn:schemas-microsoft-com:office:office" xmlns:v="urn:schemas-microsoft-com:vml" xmlns:pvml="urn:schemas-microsoft-com:office:powerpoint" xmlns:com="http://schemas.openxmlformats.org/drawingml/2006/compatibility" xmlns:p14="http://schemas.microsoft.com/office/powerpoint/2010/main" showMasterPhAnim="0" showMasterSp="0">
+  <p:cSld>
+    <p:spTree>
+      <p:nvGrpSpPr>
+        <p:cNvPr id="246" name="Shape 246"/>
+        <p:cNvGrpSpPr/>
+        <p:nvPr/>
+      </p:nvGrpSpPr>
+      <p:grpSpPr>
+        <a:xfrm>
+          <a:off x="0" y="0"/>
+          <a:ext cx="0" cy="0"/>
+          <a:chOff x="0" y="0"/>
+          <a:chExt cx="0" cy="0"/>
+        </a:xfrm>
+      </p:grpSpPr>
+      <p:sp>
+        <p:nvSpPr>
+          <p:cNvPr id="247" name="Shape 247"/>
+          <p:cNvSpPr/>
+          <p:nvPr>
+            <p:ph idx="2" type="sldImg"/>
+          </p:nvPr>
+        </p:nvSpPr>
+        <p:spPr>
+          <a:xfrm>
+            <a:off x="381300" y="685800"/>
+            <a:ext cx="6096000" cy="3429000"/>
+          </a:xfrm>
+          <a:custGeom>
+            <a:pathLst>
+              <a:path extrusionOk="0" h="120000" w="120000">
+                <a:moveTo>
+                  <a:pt x="0" y="0"/>
+                </a:moveTo>
+                <a:lnTo>
+                  <a:pt x="120000" y="0"/>
+                </a:lnTo>
+                <a:lnTo>
+                  <a:pt x="120000" y="120000"/>
+                </a:lnTo>
+                <a:lnTo>
+                  <a:pt x="0" y="120000"/>
+                </a:lnTo>
+                <a:close/>
+              </a:path>
+            </a:pathLst>
+          </a:custGeom>
+        </p:spPr>
+      </p:sp>
+      <p:sp>
+        <p:nvSpPr>
+          <p:cNvPr id="248" name="Shape 248"/>
+          <p:cNvSpPr txBox="1"/>
+          <p:nvPr>
+            <p:ph idx="1" type="body"/>
+          </p:nvPr>
+        </p:nvSpPr>
+        <p:spPr>
+          <a:xfrm>
+            <a:off x="685800" y="4343400"/>
+            <a:ext cx="5486400" cy="4114800"/>
+          </a:xfrm>
+          <a:prstGeom prst="rect">
+            <a:avLst/>
+          </a:prstGeom>
+        </p:spPr>
+        <p:txBody>
+          <a:bodyPr anchorCtr="0" anchor="t" bIns="91425" lIns="91425" rIns="91425" tIns="91425">
+            <a:noAutofit/>
+          </a:bodyPr>
+          <a:lstStyle/>
+          <a:p>
+            <a:pPr lvl="0">
+              <a:spcBef>
+                <a:spcPts val="0"/>
+              </a:spcBef>
+              <a:buNone/>
+            </a:pPr>
+            <a:r>
+              <a:t/>
+            </a:r>
+            <a:endParaRPr/>
+          </a:p>
+        </p:txBody>
+      </p:sp>
+    </p:spTree>
+  </p:cSld>
+  <p:clrMapOvr>
+    <a:masterClrMapping/>
+  </p:clrMapOvr>
+</p:notes>
+</file>
+
+<file path=ppt/notesSlides/notesSlide28.xml><?xml version="1.0" encoding="utf-8"?>
+<p:notes xmlns:a="http://schemas.openxmlformats.org/drawingml/2006/main" xmlns:r="http://schemas.openxmlformats.org/officeDocument/2006/relationships" xmlns:mc="http://schemas.openxmlformats.org/markup-compatibility/2006" xmlns:mv="urn:schemas-microsoft-com:mac:vml" xmlns:p="http://schemas.openxmlformats.org/presentationml/2006/main" xmlns:c="http://schemas.openxmlformats.org/drawingml/2006/chart" xmlns:dgm="http://schemas.openxmlformats.org/drawingml/2006/diagram" xmlns:o="urn:schemas-microsoft-com:office:office" xmlns:v="urn:schemas-microsoft-com:vml" xmlns:pvml="urn:schemas-microsoft-com:office:powerpoint" xmlns:com="http://schemas.openxmlformats.org/drawingml/2006/compatibility" xmlns:p14="http://schemas.microsoft.com/office/powerpoint/2010/main" showMasterPhAnim="0" showMasterSp="0">
+  <p:cSld>
+    <p:spTree>
+      <p:nvGrpSpPr>
+        <p:cNvPr id="252" name="Shape 252"/>
+        <p:cNvGrpSpPr/>
+        <p:nvPr/>
+      </p:nvGrpSpPr>
+      <p:grpSpPr>
+        <a:xfrm>
+          <a:off x="0" y="0"/>
+          <a:ext cx="0" cy="0"/>
+          <a:chOff x="0" y="0"/>
+          <a:chExt cx="0" cy="0"/>
+        </a:xfrm>
+      </p:grpSpPr>
+      <p:sp>
+        <p:nvSpPr>
+          <p:cNvPr id="253" name="Shape 253"/>
+          <p:cNvSpPr/>
+          <p:nvPr>
+            <p:ph idx="2" type="sldImg"/>
+          </p:nvPr>
+        </p:nvSpPr>
+        <p:spPr>
+          <a:xfrm>
+            <a:off x="381300" y="685800"/>
+            <a:ext cx="6096000" cy="3429000"/>
+          </a:xfrm>
+          <a:custGeom>
+            <a:pathLst>
+              <a:path extrusionOk="0" h="120000" w="120000">
+                <a:moveTo>
+                  <a:pt x="0" y="0"/>
+                </a:moveTo>
+                <a:lnTo>
+                  <a:pt x="120000" y="0"/>
+                </a:lnTo>
+                <a:lnTo>
+                  <a:pt x="120000" y="120000"/>
+                </a:lnTo>
+                <a:lnTo>
+                  <a:pt x="0" y="120000"/>
+                </a:lnTo>
+                <a:close/>
+              </a:path>
+            </a:pathLst>
+          </a:custGeom>
+        </p:spPr>
+      </p:sp>
+      <p:sp>
+        <p:nvSpPr>
+          <p:cNvPr id="254" name="Shape 254"/>
           <p:cNvSpPr txBox="1"/>
           <p:nvPr>
             <p:ph idx="1" type="body"/>
@@ -6625,6 +6817,25 @@
                   <a:srgbClr val="FFFFFF"/>
                 </a:solidFill>
               </a:rPr>
+              <a:t>Derived Tables</a:t>
+            </a:r>
+          </a:p>
+          <a:p>
+            <a:pPr indent="-228600" lvl="0" marL="457200" rtl="0">
+              <a:spcBef>
+                <a:spcPts val="0"/>
+              </a:spcBef>
+              <a:buClr>
+                <a:srgbClr val="FFFFFF"/>
+              </a:buClr>
+              <a:buChar char="●"/>
+            </a:pPr>
+            <a:r>
+              <a:rPr lang="en-GB">
+                <a:solidFill>
+                  <a:srgbClr val="FFFFFF"/>
+                </a:solidFill>
+              </a:rPr>
               <a:t>Custom Dashboards</a:t>
             </a:r>
           </a:p>
@@ -7856,7 +8067,7 @@
         </p:nvSpPr>
         <p:spPr>
           <a:xfrm>
-            <a:off x="311700" y="2285400"/>
+            <a:off x="311700" y="445025"/>
             <a:ext cx="8520600" cy="572700"/>
           </a:xfrm>
           <a:prstGeom prst="rect">
@@ -7869,7 +8080,7 @@
           </a:bodyPr>
           <a:lstStyle/>
           <a:p>
-            <a:pPr lvl="0" algn="ctr">
+            <a:pPr lvl="0">
               <a:spcBef>
                 <a:spcPts val="0"/>
               </a:spcBef>
@@ -7877,11 +8088,195 @@
             </a:pPr>
             <a:r>
               <a:rPr b="1" lang="en-GB"/>
-              <a:t>*</a:t>
-            </a:r>
-            <a:r>
-              <a:rPr b="1" lang="en-GB"/>
-              <a:t>Attention*</a:t>
+              <a:t>Tool #6: SQL Workbench/J</a:t>
+            </a:r>
+          </a:p>
+        </p:txBody>
+      </p:sp>
+      <p:sp>
+        <p:nvSpPr>
+          <p:cNvPr id="184" name="Shape 184"/>
+          <p:cNvSpPr txBox="1"/>
+          <p:nvPr>
+            <p:ph idx="1" type="body"/>
+          </p:nvPr>
+        </p:nvSpPr>
+        <p:spPr>
+          <a:xfrm>
+            <a:off x="311700" y="1152475"/>
+            <a:ext cx="3773700" cy="3416400"/>
+          </a:xfrm>
+          <a:prstGeom prst="rect">
+            <a:avLst/>
+          </a:prstGeom>
+        </p:spPr>
+        <p:txBody>
+          <a:bodyPr anchorCtr="0" anchor="t" bIns="91425" lIns="91425" rIns="91425" tIns="91425">
+            <a:noAutofit/>
+          </a:bodyPr>
+          <a:lstStyle/>
+          <a:p>
+            <a:pPr indent="-228600" lvl="0" marL="457200" rtl="0">
+              <a:spcBef>
+                <a:spcPts val="0"/>
+              </a:spcBef>
+              <a:buClr>
+                <a:srgbClr val="FFFFFF"/>
+              </a:buClr>
+              <a:buChar char="●"/>
+            </a:pPr>
+            <a:r>
+              <a:rPr lang="en-GB">
+                <a:solidFill>
+                  <a:srgbClr val="FFFFFF"/>
+                </a:solidFill>
+              </a:rPr>
+              <a:t>Personal Favourite!</a:t>
+            </a:r>
+          </a:p>
+          <a:p>
+            <a:pPr indent="-228600" lvl="0" marL="457200" rtl="0">
+              <a:spcBef>
+                <a:spcPts val="0"/>
+              </a:spcBef>
+              <a:buClr>
+                <a:srgbClr val="FFFFFF"/>
+              </a:buClr>
+              <a:buChar char="●"/>
+            </a:pPr>
+            <a:r>
+              <a:rPr lang="en-GB">
+                <a:solidFill>
+                  <a:srgbClr val="FFFFFF"/>
+                </a:solidFill>
+              </a:rPr>
+              <a:t>Execute</a:t>
+            </a:r>
+            <a:r>
+              <a:rPr lang="en-GB">
+                <a:solidFill>
+                  <a:srgbClr val="FFFFFF"/>
+                </a:solidFill>
+              </a:rPr>
+              <a:t> SQL Commands to explore data spontaneously </a:t>
+            </a:r>
+          </a:p>
+          <a:p>
+            <a:pPr indent="-228600" lvl="0" marL="457200" rtl="0">
+              <a:spcBef>
+                <a:spcPts val="0"/>
+              </a:spcBef>
+              <a:buClr>
+                <a:srgbClr val="FFFFFF"/>
+              </a:buClr>
+              <a:buChar char="●"/>
+            </a:pPr>
+            <a:r>
+              <a:rPr lang="en-GB">
+                <a:solidFill>
+                  <a:srgbClr val="FFFFFF"/>
+                </a:solidFill>
+              </a:rPr>
+              <a:t>Very flexible</a:t>
+            </a:r>
+          </a:p>
+          <a:p>
+            <a:pPr indent="-228600" lvl="0" marL="457200">
+              <a:spcBef>
+                <a:spcPts val="0"/>
+              </a:spcBef>
+              <a:buClr>
+                <a:srgbClr val="FFFFFF"/>
+              </a:buClr>
+              <a:buChar char="●"/>
+            </a:pPr>
+            <a:r>
+              <a:rPr lang="en-GB" u="sng">
+                <a:solidFill>
+                  <a:schemeClr val="hlink"/>
+                </a:solidFill>
+                <a:hlinkClick r:id="rId3"/>
+              </a:rPr>
+              <a:t>http://www.sql-workbench.net/</a:t>
+            </a:r>
+            <a:r>
+              <a:rPr lang="en-GB">
+                <a:solidFill>
+                  <a:srgbClr val="FFFFFF"/>
+                </a:solidFill>
+              </a:rPr>
+              <a:t> </a:t>
+            </a:r>
+          </a:p>
+        </p:txBody>
+      </p:sp>
+      <p:pic>
+        <p:nvPicPr>
+          <p:cNvPr id="185" name="Shape 185"/>
+          <p:cNvPicPr preferRelativeResize="0"/>
+          <p:nvPr/>
+        </p:nvPicPr>
+        <p:blipFill>
+          <a:blip r:embed="rId4">
+            <a:alphaModFix/>
+          </a:blip>
+          <a:stretch>
+            <a:fillRect/>
+          </a:stretch>
+        </p:blipFill>
+        <p:spPr>
+          <a:xfrm>
+            <a:off x="4249050" y="1152475"/>
+            <a:ext cx="4676775" cy="3314700"/>
+          </a:xfrm>
+          <a:prstGeom prst="rect">
+            <a:avLst/>
+          </a:prstGeom>
+          <a:noFill/>
+          <a:ln>
+            <a:noFill/>
+          </a:ln>
+        </p:spPr>
+      </p:pic>
+      <p:sp>
+        <p:nvSpPr>
+          <p:cNvPr id="186" name="Shape 186"/>
+          <p:cNvSpPr txBox="1"/>
+          <p:nvPr/>
+        </p:nvSpPr>
+        <p:spPr>
+          <a:xfrm>
+            <a:off x="4700587" y="4389400"/>
+            <a:ext cx="3773700" cy="382800"/>
+          </a:xfrm>
+          <a:prstGeom prst="rect">
+            <a:avLst/>
+          </a:prstGeom>
+          <a:noFill/>
+          <a:ln>
+            <a:noFill/>
+          </a:ln>
+        </p:spPr>
+        <p:txBody>
+          <a:bodyPr anchorCtr="0" anchor="t" bIns="91425" lIns="91425" rIns="91425" tIns="91425">
+            <a:noAutofit/>
+          </a:bodyPr>
+          <a:lstStyle/>
+          <a:p>
+            <a:pPr lvl="0">
+              <a:spcBef>
+                <a:spcPts val="0"/>
+              </a:spcBef>
+              <a:buNone/>
+            </a:pPr>
+            <a:r>
+              <a:rPr lang="en-GB" u="sng">
+                <a:solidFill>
+                  <a:schemeClr val="hlink"/>
+                </a:solidFill>
+                <a:hlinkClick r:id="rId5"/>
+              </a:rPr>
+              <a:t>https://docs.aws.amazon.com/redshift/</a:t>
             </a:r>
           </a:p>
         </p:txBody>
@@ -7899,7 +8294,7 @@
   <p:cSld>
     <p:spTree>
       <p:nvGrpSpPr>
-        <p:cNvPr id="187" name="Shape 187"/>
+        <p:cNvPr id="190" name="Shape 190"/>
         <p:cNvGrpSpPr/>
         <p:nvPr/>
       </p:nvGrpSpPr>
@@ -7913,7 +8308,7 @@
       </p:grpSpPr>
       <p:sp>
         <p:nvSpPr>
-          <p:cNvPr id="188" name="Shape 188"/>
+          <p:cNvPr id="191" name="Shape 191"/>
           <p:cNvSpPr txBox="1"/>
           <p:nvPr>
             <p:ph type="title"/>
@@ -7921,7 +8316,7 @@
         </p:nvSpPr>
         <p:spPr>
           <a:xfrm>
-            <a:off x="311700" y="2335850"/>
+            <a:off x="311700" y="2285400"/>
             <a:ext cx="8520600" cy="572700"/>
           </a:xfrm>
           <a:prstGeom prst="rect">
@@ -7942,7 +8337,11 @@
             </a:pPr>
             <a:r>
               <a:rPr b="1" lang="en-GB"/>
-              <a:t>We can build our own BI tools!</a:t>
+              <a:t>*</a:t>
+            </a:r>
+            <a:r>
+              <a:rPr b="1" lang="en-GB"/>
+              <a:t>Attention*</a:t>
             </a:r>
           </a:p>
         </p:txBody>
@@ -7960,7 +8359,7 @@
   <p:cSld>
     <p:spTree>
       <p:nvGrpSpPr>
-        <p:cNvPr id="192" name="Shape 192"/>
+        <p:cNvPr id="195" name="Shape 195"/>
         <p:cNvGrpSpPr/>
         <p:nvPr/>
       </p:nvGrpSpPr>
@@ -7974,7 +8373,7 @@
       </p:grpSpPr>
       <p:sp>
         <p:nvSpPr>
-          <p:cNvPr id="193" name="Shape 193"/>
+          <p:cNvPr id="196" name="Shape 196"/>
           <p:cNvSpPr txBox="1"/>
           <p:nvPr>
             <p:ph type="title"/>
@@ -7982,7 +8381,7 @@
         </p:nvSpPr>
         <p:spPr>
           <a:xfrm>
-            <a:off x="311700" y="2285400"/>
+            <a:off x="311700" y="2335850"/>
             <a:ext cx="8520600" cy="572700"/>
           </a:xfrm>
           <a:prstGeom prst="rect">
@@ -7995,7 +8394,7 @@
           </a:bodyPr>
           <a:lstStyle/>
           <a:p>
-            <a:pPr lvl="0" rtl="0" algn="ctr">
+            <a:pPr lvl="0" algn="ctr">
               <a:spcBef>
                 <a:spcPts val="0"/>
               </a:spcBef>
@@ -8003,7 +8402,7 @@
             </a:pPr>
             <a:r>
               <a:rPr b="1" lang="en-GB"/>
-              <a:t>Part II: Google Webmaster Tools</a:t>
+              <a:t>We can build our own BI tools!</a:t>
             </a:r>
           </a:p>
         </p:txBody>
@@ -8021,7 +8420,7 @@
   <p:cSld>
     <p:spTree>
       <p:nvGrpSpPr>
-        <p:cNvPr id="197" name="Shape 197"/>
+        <p:cNvPr id="200" name="Shape 200"/>
         <p:cNvGrpSpPr/>
         <p:nvPr/>
       </p:nvGrpSpPr>
@@ -8035,7 +8434,7 @@
       </p:grpSpPr>
       <p:sp>
         <p:nvSpPr>
-          <p:cNvPr id="198" name="Shape 198"/>
+          <p:cNvPr id="201" name="Shape 201"/>
           <p:cNvSpPr txBox="1"/>
           <p:nvPr>
             <p:ph type="title"/>
@@ -8043,7 +8442,7 @@
         </p:nvSpPr>
         <p:spPr>
           <a:xfrm>
-            <a:off x="311700" y="445025"/>
+            <a:off x="311700" y="2285400"/>
             <a:ext cx="8520600" cy="572700"/>
           </a:xfrm>
           <a:prstGeom prst="rect">
@@ -8056,7 +8455,7 @@
           </a:bodyPr>
           <a:lstStyle/>
           <a:p>
-            <a:pPr lvl="0">
+            <a:pPr lvl="0" rtl="0" algn="ctr">
               <a:spcBef>
                 <a:spcPts val="0"/>
               </a:spcBef>
@@ -8064,82 +8463,7 @@
             </a:pPr>
             <a:r>
               <a:rPr b="1" lang="en-GB"/>
-              <a:t>Google Webmaster Tools (GWT)</a:t>
-            </a:r>
-          </a:p>
-        </p:txBody>
-      </p:sp>
-      <p:pic>
-        <p:nvPicPr>
-          <p:cNvPr id="199" name="Shape 199"/>
-          <p:cNvPicPr preferRelativeResize="0"/>
-          <p:nvPr/>
-        </p:nvPicPr>
-        <p:blipFill>
-          <a:blip r:embed="rId3">
-            <a:alphaModFix/>
-          </a:blip>
-          <a:stretch>
-            <a:fillRect/>
-          </a:stretch>
-        </p:blipFill>
-        <p:spPr>
-          <a:xfrm>
-            <a:off x="1817287" y="1076598"/>
-            <a:ext cx="5509424" cy="3506750"/>
-          </a:xfrm>
-          <a:prstGeom prst="rect">
-            <a:avLst/>
-          </a:prstGeom>
-          <a:noFill/>
-          <a:ln>
-            <a:noFill/>
-          </a:ln>
-        </p:spPr>
-      </p:pic>
-      <p:sp>
-        <p:nvSpPr>
-          <p:cNvPr id="200" name="Shape 200"/>
-          <p:cNvSpPr txBox="1"/>
-          <p:nvPr/>
-        </p:nvSpPr>
-        <p:spPr>
-          <a:xfrm>
-            <a:off x="1268700" y="4583350"/>
-            <a:ext cx="6606600" cy="461400"/>
-          </a:xfrm>
-          <a:prstGeom prst="rect">
-            <a:avLst/>
-          </a:prstGeom>
-          <a:noFill/>
-          <a:ln>
-            <a:noFill/>
-          </a:ln>
-        </p:spPr>
-        <p:txBody>
-          <a:bodyPr anchorCtr="0" anchor="t" bIns="91425" lIns="91425" rIns="91425" tIns="91425">
-            <a:noAutofit/>
-          </a:bodyPr>
-          <a:lstStyle/>
-          <a:p>
-            <a:pPr lvl="0">
-              <a:spcBef>
-                <a:spcPts val="0"/>
-              </a:spcBef>
-              <a:buNone/>
-            </a:pPr>
-            <a:r>
-              <a:rPr lang="en-GB" sz="1100" u="sng">
-                <a:solidFill>
-                  <a:schemeClr val="hlink"/>
-                </a:solidFill>
-                <a:hlinkClick r:id="rId4"/>
-              </a:rPr>
-              <a:t>http://amintor.com/1/post/2013/11/technology-extend-python-library-for-google-web-master-tools.html</a:t>
-            </a:r>
-            <a:r>
-              <a:rPr lang="en-GB" sz="1100"/>
-              <a:t> </a:t>
+              <a:t>Part II: Google Webmaster Tools</a:t>
             </a:r>
           </a:p>
         </p:txBody>
@@ -8282,7 +8606,7 @@
   <p:cSld>
     <p:spTree>
       <p:nvGrpSpPr>
-        <p:cNvPr id="204" name="Shape 204"/>
+        <p:cNvPr id="205" name="Shape 205"/>
         <p:cNvGrpSpPr/>
         <p:nvPr/>
       </p:nvGrpSpPr>
@@ -8296,7 +8620,7 @@
       </p:grpSpPr>
       <p:sp>
         <p:nvSpPr>
-          <p:cNvPr id="205" name="Shape 205"/>
+          <p:cNvPr id="206" name="Shape 206"/>
           <p:cNvSpPr txBox="1"/>
           <p:nvPr>
             <p:ph type="title"/>
@@ -8330,22 +8654,52 @@
           </a:p>
         </p:txBody>
       </p:sp>
-      <p:sp>
-        <p:nvSpPr>
-          <p:cNvPr id="206" name="Shape 206"/>
+      <p:pic>
+        <p:nvPicPr>
+          <p:cNvPr id="207" name="Shape 207"/>
+          <p:cNvPicPr preferRelativeResize="0"/>
+          <p:nvPr/>
+        </p:nvPicPr>
+        <p:blipFill>
+          <a:blip r:embed="rId3">
+            <a:alphaModFix/>
+          </a:blip>
+          <a:stretch>
+            <a:fillRect/>
+          </a:stretch>
+        </p:blipFill>
+        <p:spPr>
+          <a:xfrm>
+            <a:off x="1817287" y="1076598"/>
+            <a:ext cx="5509424" cy="3506750"/>
+          </a:xfrm>
+          <a:prstGeom prst="rect">
+            <a:avLst/>
+          </a:prstGeom>
+          <a:noFill/>
+          <a:ln>
+            <a:noFill/>
+          </a:ln>
+        </p:spPr>
+      </p:pic>
+      <p:sp>
+        <p:nvSpPr>
+          <p:cNvPr id="208" name="Shape 208"/>
           <p:cNvSpPr txBox="1"/>
-          <p:nvPr>
-            <p:ph idx="1" type="body"/>
-          </p:nvPr>
-        </p:nvSpPr>
-        <p:spPr>
-          <a:xfrm>
-            <a:off x="311700" y="1152475"/>
-            <a:ext cx="8520600" cy="3416400"/>
-          </a:xfrm>
-          <a:prstGeom prst="rect">
-            <a:avLst/>
-          </a:prstGeom>
+          <p:nvPr/>
+        </p:nvSpPr>
+        <p:spPr>
+          <a:xfrm>
+            <a:off x="1268700" y="4583350"/>
+            <a:ext cx="6606600" cy="461400"/>
+          </a:xfrm>
+          <a:prstGeom prst="rect">
+            <a:avLst/>
+          </a:prstGeom>
+          <a:noFill/>
+          <a:ln>
+            <a:noFill/>
+          </a:ln>
         </p:spPr>
         <p:txBody>
           <a:bodyPr anchorCtr="0" anchor="t" bIns="91425" lIns="91425" rIns="91425" tIns="91425">
@@ -8360,94 +8714,16 @@
               <a:buNone/>
             </a:pPr>
             <a:r>
-              <a:rPr lang="en-GB">
-                <a:solidFill>
-                  <a:srgbClr val="FFFFFF"/>
-                </a:solidFill>
-              </a:rPr>
-              <a:t>URL:</a:t>
-            </a:r>
-            <a:r>
-              <a:rPr lang="en-GB"/>
-              <a:t> </a:t>
-            </a:r>
-            <a:r>
-              <a:rPr lang="en-GB" u="sng">
+              <a:rPr lang="en-GB" sz="1100" u="sng">
                 <a:solidFill>
                   <a:schemeClr val="hlink"/>
                 </a:solidFill>
-                <a:hlinkClick r:id="rId3"/>
-              </a:rPr>
-              <a:t>https://www.google.com/webmasters/</a:t>
-            </a:r>
-            <a:r>
-              <a:rPr lang="en-GB"/>
-              <a:t> </a:t>
-            </a:r>
-          </a:p>
-          <a:p>
-            <a:pPr lvl="0">
-              <a:spcBef>
-                <a:spcPts val="0"/>
-              </a:spcBef>
-              <a:buNone/>
-            </a:pPr>
-            <a:r>
-              <a:rPr lang="en-GB">
-                <a:solidFill>
-                  <a:srgbClr val="FFFFFF"/>
-                </a:solidFill>
-              </a:rPr>
-              <a:t>BI Tool:</a:t>
-            </a:r>
-            <a:r>
-              <a:rPr lang="en-GB"/>
-              <a:t> </a:t>
-            </a:r>
-            <a:r>
-              <a:rPr lang="en-GB" u="sng">
-                <a:solidFill>
-                  <a:schemeClr val="hlink"/>
-                </a:solidFill>
                 <a:hlinkClick r:id="rId4"/>
               </a:rPr>
-              <a:t>https://gist.github.com/spaiva/c7519dc3b2c78c94f2b2ee9a05f9785d</a:t>
-            </a:r>
-            <a:r>
-              <a:rPr lang="en-GB"/>
-              <a:t> </a:t>
-            </a:r>
-          </a:p>
-          <a:p>
-            <a:pPr lvl="0">
-              <a:spcBef>
-                <a:spcPts val="0"/>
-              </a:spcBef>
-              <a:buNone/>
-            </a:pPr>
-            <a:r>
-              <a:rPr lang="en-GB">
-                <a:solidFill>
-                  <a:srgbClr val="FFFFFF"/>
-                </a:solidFill>
-              </a:rPr>
-              <a:t>Data Analysis (Pandas):</a:t>
-            </a:r>
-            <a:r>
-              <a:rPr lang="en-GB"/>
-              <a:t> </a:t>
-            </a:r>
-            <a:r>
-              <a:rPr lang="en-GB" u="sng">
-                <a:solidFill>
-                  <a:schemeClr val="hlink"/>
-                </a:solidFill>
-                <a:hlinkClick r:id="rId5"/>
-              </a:rPr>
-              <a:t>https://gist.github.com/spaiva/083387046ebfec858316</a:t>
-            </a:r>
-            <a:r>
-              <a:rPr lang="en-GB"/>
+              <a:t>http://amintor.com/1/post/2013/11/technology-extend-python-library-for-google-web-master-tools.html</a:t>
+            </a:r>
+            <a:r>
+              <a:rPr lang="en-GB" sz="1100"/>
               <a:t> </a:t>
             </a:r>
           </a:p>
@@ -8466,7 +8742,7 @@
   <p:cSld>
     <p:spTree>
       <p:nvGrpSpPr>
-        <p:cNvPr id="210" name="Shape 210"/>
+        <p:cNvPr id="212" name="Shape 212"/>
         <p:cNvGrpSpPr/>
         <p:nvPr/>
       </p:nvGrpSpPr>
@@ -8480,7 +8756,7 @@
       </p:grpSpPr>
       <p:sp>
         <p:nvSpPr>
-          <p:cNvPr id="211" name="Shape 211"/>
+          <p:cNvPr id="213" name="Shape 213"/>
           <p:cNvSpPr txBox="1"/>
           <p:nvPr>
             <p:ph type="title"/>
@@ -8488,7 +8764,7 @@
         </p:nvSpPr>
         <p:spPr>
           <a:xfrm>
-            <a:off x="311700" y="2285400"/>
+            <a:off x="311700" y="445025"/>
             <a:ext cx="8520600" cy="572700"/>
           </a:xfrm>
           <a:prstGeom prst="rect">
@@ -8501,7 +8777,7 @@
           </a:bodyPr>
           <a:lstStyle/>
           <a:p>
-            <a:pPr lvl="0" rtl="0" algn="ctr">
+            <a:pPr lvl="0">
               <a:spcBef>
                 <a:spcPts val="0"/>
               </a:spcBef>
@@ -8509,7 +8785,130 @@
             </a:pPr>
             <a:r>
               <a:rPr b="1" lang="en-GB"/>
-              <a:t>Part III: Google Adwords</a:t>
+              <a:t>Google Webmaster Tools (GWT)</a:t>
+            </a:r>
+          </a:p>
+        </p:txBody>
+      </p:sp>
+      <p:sp>
+        <p:nvSpPr>
+          <p:cNvPr id="214" name="Shape 214"/>
+          <p:cNvSpPr txBox="1"/>
+          <p:nvPr>
+            <p:ph idx="1" type="body"/>
+          </p:nvPr>
+        </p:nvSpPr>
+        <p:spPr>
+          <a:xfrm>
+            <a:off x="311700" y="1152475"/>
+            <a:ext cx="8520600" cy="3416400"/>
+          </a:xfrm>
+          <a:prstGeom prst="rect">
+            <a:avLst/>
+          </a:prstGeom>
+        </p:spPr>
+        <p:txBody>
+          <a:bodyPr anchorCtr="0" anchor="t" bIns="91425" lIns="91425" rIns="91425" tIns="91425">
+            <a:noAutofit/>
+          </a:bodyPr>
+          <a:lstStyle/>
+          <a:p>
+            <a:pPr lvl="0">
+              <a:spcBef>
+                <a:spcPts val="0"/>
+              </a:spcBef>
+              <a:buNone/>
+            </a:pPr>
+            <a:r>
+              <a:rPr lang="en-GB">
+                <a:solidFill>
+                  <a:srgbClr val="FFFFFF"/>
+                </a:solidFill>
+              </a:rPr>
+              <a:t>URL:</a:t>
+            </a:r>
+            <a:r>
+              <a:rPr lang="en-GB"/>
+              <a:t> </a:t>
+            </a:r>
+            <a:r>
+              <a:rPr lang="en-GB" u="sng">
+                <a:solidFill>
+                  <a:schemeClr val="hlink"/>
+                </a:solidFill>
+                <a:hlinkClick r:id="rId3"/>
+              </a:rPr>
+              <a:t>https://www.google.com/webmasters/</a:t>
+            </a:r>
+            <a:r>
+              <a:rPr lang="en-GB"/>
+              <a:t> </a:t>
+            </a:r>
+          </a:p>
+          <a:p>
+            <a:pPr lvl="0">
+              <a:spcBef>
+                <a:spcPts val="0"/>
+              </a:spcBef>
+              <a:buNone/>
+            </a:pPr>
+            <a:r>
+              <a:rPr lang="en-GB">
+                <a:solidFill>
+                  <a:srgbClr val="FFFFFF"/>
+                </a:solidFill>
+              </a:rPr>
+              <a:t>BI Tool:</a:t>
+            </a:r>
+            <a:r>
+              <a:rPr lang="en-GB"/>
+              <a:t> </a:t>
+            </a:r>
+            <a:r>
+              <a:rPr lang="en-GB" u="sng">
+                <a:solidFill>
+                  <a:schemeClr val="hlink"/>
+                </a:solidFill>
+                <a:hlinkClick r:id="rId4"/>
+              </a:rPr>
+              <a:t>https://gist.github.com/spaiva/c7519dc3b2c78c94f2b2ee9a05f9785d</a:t>
+            </a:r>
+            <a:r>
+              <a:rPr lang="en-GB"/>
+              <a:t> </a:t>
+            </a:r>
+          </a:p>
+          <a:p>
+            <a:pPr lvl="0">
+              <a:spcBef>
+                <a:spcPts val="0"/>
+              </a:spcBef>
+              <a:buNone/>
+            </a:pPr>
+            <a:r>
+              <a:rPr lang="en-GB">
+                <a:solidFill>
+                  <a:srgbClr val="FFFFFF"/>
+                </a:solidFill>
+              </a:rPr>
+              <a:t>Data Analysis (Pandas):</a:t>
+            </a:r>
+            <a:r>
+              <a:rPr lang="en-GB"/>
+              <a:t> </a:t>
+            </a:r>
+            <a:r>
+              <a:rPr lang="en-GB" u="sng">
+                <a:solidFill>
+                  <a:schemeClr val="hlink"/>
+                </a:solidFill>
+                <a:hlinkClick r:id="rId5"/>
+              </a:rPr>
+              <a:t>https://gist.github.com/spaiva/083387046ebfec858316</a:t>
+            </a:r>
+            <a:r>
+              <a:rPr lang="en-GB"/>
+              <a:t> </a:t>
             </a:r>
           </a:p>
         </p:txBody>
@@ -8527,7 +8926,7 @@
   <p:cSld>
     <p:spTree>
       <p:nvGrpSpPr>
-        <p:cNvPr id="215" name="Shape 215"/>
+        <p:cNvPr id="218" name="Shape 218"/>
         <p:cNvGrpSpPr/>
         <p:nvPr/>
       </p:nvGrpSpPr>
@@ -8541,7 +8940,7 @@
       </p:grpSpPr>
       <p:sp>
         <p:nvSpPr>
-          <p:cNvPr id="216" name="Shape 216"/>
+          <p:cNvPr id="219" name="Shape 219"/>
           <p:cNvSpPr txBox="1"/>
           <p:nvPr>
             <p:ph type="title"/>
@@ -8549,7 +8948,7 @@
         </p:nvSpPr>
         <p:spPr>
           <a:xfrm>
-            <a:off x="311700" y="445025"/>
+            <a:off x="311700" y="2285400"/>
             <a:ext cx="8520600" cy="572700"/>
           </a:xfrm>
           <a:prstGeom prst="rect">
@@ -8562,7 +8961,7 @@
           </a:bodyPr>
           <a:lstStyle/>
           <a:p>
-            <a:pPr lvl="0">
+            <a:pPr lvl="0" rtl="0" algn="ctr">
               <a:spcBef>
                 <a:spcPts val="0"/>
               </a:spcBef>
@@ -8570,82 +8969,7 @@
             </a:pPr>
             <a:r>
               <a:rPr b="1" lang="en-GB"/>
-              <a:t>Google Adwords</a:t>
-            </a:r>
-          </a:p>
-        </p:txBody>
-      </p:sp>
-      <p:pic>
-        <p:nvPicPr>
-          <p:cNvPr id="217" name="Shape 217"/>
-          <p:cNvPicPr preferRelativeResize="0"/>
-          <p:nvPr/>
-        </p:nvPicPr>
-        <p:blipFill>
-          <a:blip r:embed="rId3">
-            <a:alphaModFix/>
-          </a:blip>
-          <a:stretch>
-            <a:fillRect/>
-          </a:stretch>
-        </p:blipFill>
-        <p:spPr>
-          <a:xfrm>
-            <a:off x="822262" y="1395399"/>
-            <a:ext cx="7499473" cy="2802675"/>
-          </a:xfrm>
-          <a:prstGeom prst="rect">
-            <a:avLst/>
-          </a:prstGeom>
-          <a:noFill/>
-          <a:ln>
-            <a:noFill/>
-          </a:ln>
-        </p:spPr>
-      </p:pic>
-      <p:sp>
-        <p:nvSpPr>
-          <p:cNvPr id="218" name="Shape 218"/>
-          <p:cNvSpPr txBox="1"/>
-          <p:nvPr/>
-        </p:nvSpPr>
-        <p:spPr>
-          <a:xfrm>
-            <a:off x="1482375" y="4310650"/>
-            <a:ext cx="5875200" cy="427800"/>
-          </a:xfrm>
-          <a:prstGeom prst="rect">
-            <a:avLst/>
-          </a:prstGeom>
-          <a:noFill/>
-          <a:ln>
-            <a:noFill/>
-          </a:ln>
-        </p:spPr>
-        <p:txBody>
-          <a:bodyPr anchorCtr="0" anchor="t" bIns="91425" lIns="91425" rIns="91425" tIns="91425">
-            <a:noAutofit/>
-          </a:bodyPr>
-          <a:lstStyle/>
-          <a:p>
-            <a:pPr lvl="0">
-              <a:spcBef>
-                <a:spcPts val="0"/>
-              </a:spcBef>
-              <a:buNone/>
-            </a:pPr>
-            <a:r>
-              <a:rPr lang="en-GB" sz="1100" u="sng">
-                <a:solidFill>
-                  <a:schemeClr val="hlink"/>
-                </a:solidFill>
-                <a:hlinkClick r:id="rId4"/>
-              </a:rPr>
-              <a:t>https://www.shopify.com/blog/16909640-how-to-spend-your-first-100-on-google-adwords</a:t>
-            </a:r>
-            <a:r>
-              <a:rPr lang="en-GB" sz="1100"/>
-              <a:t> </a:t>
+              <a:t>Part III: Google Adwords</a:t>
             </a:r>
           </a:p>
         </p:txBody>
@@ -8663,7 +8987,7 @@
   <p:cSld>
     <p:spTree>
       <p:nvGrpSpPr>
-        <p:cNvPr id="222" name="Shape 222"/>
+        <p:cNvPr id="223" name="Shape 223"/>
         <p:cNvGrpSpPr/>
         <p:nvPr/>
       </p:nvGrpSpPr>
@@ -8677,7 +9001,7 @@
       </p:grpSpPr>
       <p:sp>
         <p:nvSpPr>
-          <p:cNvPr id="223" name="Shape 223"/>
+          <p:cNvPr id="224" name="Shape 224"/>
           <p:cNvSpPr txBox="1"/>
           <p:nvPr>
             <p:ph type="title"/>
@@ -8705,28 +9029,58 @@
               <a:buNone/>
             </a:pPr>
             <a:r>
-              <a:rPr lang="en-GB"/>
+              <a:rPr b="1" lang="en-GB"/>
               <a:t>Google Adwords</a:t>
             </a:r>
           </a:p>
         </p:txBody>
       </p:sp>
-      <p:sp>
-        <p:nvSpPr>
-          <p:cNvPr id="224" name="Shape 224"/>
+      <p:pic>
+        <p:nvPicPr>
+          <p:cNvPr id="225" name="Shape 225"/>
+          <p:cNvPicPr preferRelativeResize="0"/>
+          <p:nvPr/>
+        </p:nvPicPr>
+        <p:blipFill>
+          <a:blip r:embed="rId3">
+            <a:alphaModFix/>
+          </a:blip>
+          <a:stretch>
+            <a:fillRect/>
+          </a:stretch>
+        </p:blipFill>
+        <p:spPr>
+          <a:xfrm>
+            <a:off x="822262" y="1395399"/>
+            <a:ext cx="7499473" cy="2802675"/>
+          </a:xfrm>
+          <a:prstGeom prst="rect">
+            <a:avLst/>
+          </a:prstGeom>
+          <a:noFill/>
+          <a:ln>
+            <a:noFill/>
+          </a:ln>
+        </p:spPr>
+      </p:pic>
+      <p:sp>
+        <p:nvSpPr>
+          <p:cNvPr id="226" name="Shape 226"/>
           <p:cNvSpPr txBox="1"/>
-          <p:nvPr>
-            <p:ph idx="1" type="body"/>
-          </p:nvPr>
-        </p:nvSpPr>
-        <p:spPr>
-          <a:xfrm>
-            <a:off x="311700" y="1152475"/>
-            <a:ext cx="8520600" cy="3416400"/>
-          </a:xfrm>
-          <a:prstGeom prst="rect">
-            <a:avLst/>
-          </a:prstGeom>
+          <p:nvPr/>
+        </p:nvSpPr>
+        <p:spPr>
+          <a:xfrm>
+            <a:off x="1482375" y="4310650"/>
+            <a:ext cx="5875200" cy="427800"/>
+          </a:xfrm>
+          <a:prstGeom prst="rect">
+            <a:avLst/>
+          </a:prstGeom>
+          <a:noFill/>
+          <a:ln>
+            <a:noFill/>
+          </a:ln>
         </p:spPr>
         <p:txBody>
           <a:bodyPr anchorCtr="0" anchor="t" bIns="91425" lIns="91425" rIns="91425" tIns="91425">
@@ -8741,240 +9095,13 @@
               <a:buNone/>
             </a:pPr>
             <a:r>
-              <a:rPr lang="en-GB">
-                <a:solidFill>
-                  <a:srgbClr val="FFFFFF"/>
-                </a:solidFill>
-              </a:rPr>
-              <a:t>Types of reports:</a:t>
-            </a:r>
-          </a:p>
-          <a:p>
-            <a:pPr indent="-228600" lvl="0" marL="457200" rtl="0">
-              <a:spcBef>
-                <a:spcPts val="0"/>
-              </a:spcBef>
-              <a:buClr>
-                <a:srgbClr val="FFFFFF"/>
-              </a:buClr>
-              <a:buChar char="●"/>
-            </a:pPr>
-            <a:r>
-              <a:rPr lang="en-GB">
-                <a:solidFill>
-                  <a:srgbClr val="FFFFFF"/>
-                </a:solidFill>
-              </a:rPr>
-              <a:t>ACCOUNT_PERFORMANCE_REPORT</a:t>
-            </a:r>
-          </a:p>
-          <a:p>
-            <a:pPr indent="-228600" lvl="0" marL="457200" rtl="0">
-              <a:spcBef>
-                <a:spcPts val="0"/>
-              </a:spcBef>
-              <a:buClr>
-                <a:srgbClr val="FFFFFF"/>
-              </a:buClr>
-              <a:buChar char="●"/>
-            </a:pPr>
-            <a:r>
-              <a:rPr lang="en-GB">
-                <a:solidFill>
-                  <a:srgbClr val="FFFFFF"/>
-                </a:solidFill>
-              </a:rPr>
-              <a:t>CRITERIA_PERFORMANCE_REPORT</a:t>
-            </a:r>
-          </a:p>
-          <a:p>
-            <a:pPr indent="-228600" lvl="0" marL="457200" rtl="0">
-              <a:spcBef>
-                <a:spcPts val="0"/>
-              </a:spcBef>
-              <a:buClr>
-                <a:srgbClr val="FFFFFF"/>
-              </a:buClr>
-              <a:buChar char="●"/>
-            </a:pPr>
-            <a:r>
-              <a:rPr lang="en-GB">
-                <a:solidFill>
-                  <a:srgbClr val="FFFFFF"/>
-                </a:solidFill>
-              </a:rPr>
-              <a:t>KEYWORDS_PERFORMANCE_REPORT</a:t>
-            </a:r>
-          </a:p>
-          <a:p>
-            <a:pPr indent="-228600" lvl="0" marL="457200" rtl="0">
-              <a:spcBef>
-                <a:spcPts val="0"/>
-              </a:spcBef>
-              <a:buClr>
-                <a:srgbClr val="FFFFFF"/>
-              </a:buClr>
-              <a:buChar char="●"/>
-            </a:pPr>
-            <a:r>
-              <a:rPr lang="en-GB">
-                <a:solidFill>
-                  <a:srgbClr val="FFFFFF"/>
-                </a:solidFill>
-              </a:rPr>
-              <a:t>CAMPAIGN_PERFORMANCE_REPORT</a:t>
-            </a:r>
-          </a:p>
-          <a:p>
-            <a:pPr indent="-228600" lvl="0" marL="457200" rtl="0">
-              <a:spcBef>
-                <a:spcPts val="0"/>
-              </a:spcBef>
-              <a:buClr>
-                <a:srgbClr val="FFFFFF"/>
-              </a:buClr>
-              <a:buChar char="●"/>
-            </a:pPr>
-            <a:r>
-              <a:rPr lang="en-GB">
-                <a:solidFill>
-                  <a:srgbClr val="FFFFFF"/>
-                </a:solidFill>
-              </a:rPr>
-              <a:t>AD_PERFORMANCE_REPORT</a:t>
-            </a:r>
-          </a:p>
-          <a:p>
-            <a:pPr indent="-228600" lvl="0" marL="457200" rtl="0">
-              <a:spcBef>
-                <a:spcPts val="0"/>
-              </a:spcBef>
-              <a:buClr>
-                <a:srgbClr val="FFFFFF"/>
-              </a:buClr>
-              <a:buChar char="●"/>
-            </a:pPr>
-            <a:r>
-              <a:rPr lang="en-GB">
-                <a:solidFill>
-                  <a:srgbClr val="FFFFFF"/>
-                </a:solidFill>
-              </a:rPr>
-              <a:t>AD_GROUP_PERFORMANCE_REPORT</a:t>
-            </a:r>
-          </a:p>
-          <a:p>
-            <a:pPr indent="-228600" lvl="0" marL="457200" rtl="0">
-              <a:spcBef>
-                <a:spcPts val="0"/>
-              </a:spcBef>
-              <a:buClr>
-                <a:srgbClr val="FFFFFF"/>
-              </a:buClr>
-              <a:buChar char="●"/>
-            </a:pPr>
-            <a:r>
-              <a:rPr lang="en-GB">
-                <a:solidFill>
-                  <a:srgbClr val="FFFFFF"/>
-                </a:solidFill>
-              </a:rPr>
-              <a:t>PAID_ORGANIC_QUERY_REPORT</a:t>
-            </a:r>
-          </a:p>
-          <a:p>
-            <a:pPr indent="-228600" lvl="0" marL="457200" rtl="0">
-              <a:spcBef>
-                <a:spcPts val="0"/>
-              </a:spcBef>
-              <a:buClr>
-                <a:srgbClr val="FFFFFF"/>
-              </a:buClr>
-              <a:buChar char="●"/>
-            </a:pPr>
-            <a:r>
-              <a:rPr lang="en-GB">
-                <a:solidFill>
-                  <a:srgbClr val="FFFFFF"/>
-                </a:solidFill>
-              </a:rPr>
-              <a:t>URLS_PERFORMANCE_REPORT</a:t>
-            </a:r>
-          </a:p>
-          <a:p>
-            <a:pPr indent="-228600" lvl="0" marL="457200" rtl="0">
-              <a:spcBef>
-                <a:spcPts val="0"/>
-              </a:spcBef>
-              <a:buClr>
-                <a:srgbClr val="FFFFFF"/>
-              </a:buClr>
-              <a:buChar char="●"/>
-            </a:pPr>
-            <a:r>
-              <a:rPr lang="en-GB">
-                <a:solidFill>
-                  <a:srgbClr val="FFFFFF"/>
-                </a:solidFill>
-              </a:rPr>
-              <a:t>There are a total of 43 types of reports!</a:t>
-            </a:r>
-          </a:p>
-        </p:txBody>
-      </p:sp>
-      <p:sp>
-        <p:nvSpPr>
-          <p:cNvPr id="225" name="Shape 225"/>
-          <p:cNvSpPr txBox="1"/>
-          <p:nvPr/>
-        </p:nvSpPr>
-        <p:spPr>
-          <a:xfrm>
-            <a:off x="438875" y="4568875"/>
-            <a:ext cx="5053500" cy="450300"/>
-          </a:xfrm>
-          <a:prstGeom prst="rect">
-            <a:avLst/>
-          </a:prstGeom>
-          <a:noFill/>
-          <a:ln>
-            <a:noFill/>
-          </a:ln>
-        </p:spPr>
-        <p:txBody>
-          <a:bodyPr anchorCtr="0" anchor="t" bIns="91425" lIns="91425" rIns="91425" tIns="91425">
-            <a:noAutofit/>
-          </a:bodyPr>
-          <a:lstStyle/>
-          <a:p>
-            <a:pPr lvl="0" rtl="0">
-              <a:lnSpc>
-                <a:spcPct val="115000"/>
-              </a:lnSpc>
-              <a:spcBef>
-                <a:spcPts val="0"/>
-              </a:spcBef>
-              <a:spcAft>
-                <a:spcPts val="1600"/>
-              </a:spcAft>
-              <a:buNone/>
-            </a:pPr>
-            <a:r>
-              <a:rPr lang="en-GB" sz="1100">
-                <a:solidFill>
-                  <a:srgbClr val="FFFFFF"/>
-                </a:solidFill>
-              </a:rPr>
-              <a:t>Source: </a:t>
-            </a:r>
-            <a:r>
               <a:rPr lang="en-GB" sz="1100" u="sng">
                 <a:solidFill>
-                  <a:schemeClr val="accent5"/>
-                </a:solidFill>
-                <a:hlinkClick r:id="rId3"/>
-              </a:rPr>
-              <a:t>https://developers.google.com/adwords/api/docs/appendix/reports</a:t>
+                  <a:schemeClr val="hlink"/>
+                </a:solidFill>
+                <a:hlinkClick r:id="rId4"/>
+              </a:rPr>
+              <a:t>https://www.shopify.com/blog/16909640-how-to-spend-your-first-100-on-google-adwords</a:t>
             </a:r>
             <a:r>
               <a:rPr lang="en-GB" sz="1100"/>
@@ -8996,7 +9123,7 @@
   <p:cSld>
     <p:spTree>
       <p:nvGrpSpPr>
-        <p:cNvPr id="229" name="Shape 229"/>
+        <p:cNvPr id="230" name="Shape 230"/>
         <p:cNvGrpSpPr/>
         <p:nvPr/>
       </p:nvGrpSpPr>
@@ -9010,7 +9137,7 @@
       </p:grpSpPr>
       <p:sp>
         <p:nvSpPr>
-          <p:cNvPr id="230" name="Shape 230"/>
+          <p:cNvPr id="231" name="Shape 231"/>
           <p:cNvSpPr txBox="1"/>
           <p:nvPr>
             <p:ph type="title"/>
@@ -9038,7 +9165,7 @@
               <a:buNone/>
             </a:pPr>
             <a:r>
-              <a:rPr b="1" lang="en-GB"/>
+              <a:rPr lang="en-GB"/>
               <a:t>Google Adwords</a:t>
             </a:r>
           </a:p>
@@ -9046,7 +9173,7 @@
       </p:sp>
       <p:sp>
         <p:nvSpPr>
-          <p:cNvPr id="231" name="Shape 231"/>
+          <p:cNvPr id="232" name="Shape 232"/>
           <p:cNvSpPr txBox="1"/>
           <p:nvPr>
             <p:ph idx="1" type="body"/>
@@ -9074,110 +9201,243 @@
               <a:buNone/>
             </a:pPr>
             <a:r>
-              <a:rPr b="1" lang="en-GB">
-                <a:solidFill>
-                  <a:srgbClr val="FFFFFF"/>
-                </a:solidFill>
-              </a:rPr>
-              <a:t>URL:</a:t>
-            </a:r>
-            <a:r>
-              <a:rPr b="1" lang="en-GB"/>
-              <a:t> </a:t>
-            </a:r>
-            <a:r>
-              <a:rPr lang="en-GB" u="sng">
-                <a:solidFill>
-                  <a:schemeClr val="hlink"/>
+              <a:rPr lang="en-GB">
+                <a:solidFill>
+                  <a:srgbClr val="FFFFFF"/>
+                </a:solidFill>
+              </a:rPr>
+              <a:t>Types of reports:</a:t>
+            </a:r>
+          </a:p>
+          <a:p>
+            <a:pPr indent="-228600" lvl="0" marL="457200" rtl="0">
+              <a:spcBef>
+                <a:spcPts val="0"/>
+              </a:spcBef>
+              <a:buClr>
+                <a:srgbClr val="FFFFFF"/>
+              </a:buClr>
+              <a:buChar char="●"/>
+            </a:pPr>
+            <a:r>
+              <a:rPr lang="en-GB">
+                <a:solidFill>
+                  <a:srgbClr val="FFFFFF"/>
+                </a:solidFill>
+              </a:rPr>
+              <a:t>ACCOUNT_PERFORMANCE_REPORT</a:t>
+            </a:r>
+          </a:p>
+          <a:p>
+            <a:pPr indent="-228600" lvl="0" marL="457200" rtl="0">
+              <a:spcBef>
+                <a:spcPts val="0"/>
+              </a:spcBef>
+              <a:buClr>
+                <a:srgbClr val="FFFFFF"/>
+              </a:buClr>
+              <a:buChar char="●"/>
+            </a:pPr>
+            <a:r>
+              <a:rPr lang="en-GB">
+                <a:solidFill>
+                  <a:srgbClr val="FFFFFF"/>
+                </a:solidFill>
+              </a:rPr>
+              <a:t>CRITERIA_PERFORMANCE_REPORT</a:t>
+            </a:r>
+          </a:p>
+          <a:p>
+            <a:pPr indent="-228600" lvl="0" marL="457200" rtl="0">
+              <a:spcBef>
+                <a:spcPts val="0"/>
+              </a:spcBef>
+              <a:buClr>
+                <a:srgbClr val="FFFFFF"/>
+              </a:buClr>
+              <a:buChar char="●"/>
+            </a:pPr>
+            <a:r>
+              <a:rPr lang="en-GB">
+                <a:solidFill>
+                  <a:srgbClr val="FFFFFF"/>
+                </a:solidFill>
+              </a:rPr>
+              <a:t>KEYWORDS_PERFORMANCE_REPORT</a:t>
+            </a:r>
+          </a:p>
+          <a:p>
+            <a:pPr indent="-228600" lvl="0" marL="457200" rtl="0">
+              <a:spcBef>
+                <a:spcPts val="0"/>
+              </a:spcBef>
+              <a:buClr>
+                <a:srgbClr val="FFFFFF"/>
+              </a:buClr>
+              <a:buChar char="●"/>
+            </a:pPr>
+            <a:r>
+              <a:rPr lang="en-GB">
+                <a:solidFill>
+                  <a:srgbClr val="FFFFFF"/>
+                </a:solidFill>
+              </a:rPr>
+              <a:t>CAMPAIGN_PERFORMANCE_REPORT</a:t>
+            </a:r>
+          </a:p>
+          <a:p>
+            <a:pPr indent="-228600" lvl="0" marL="457200" rtl="0">
+              <a:spcBef>
+                <a:spcPts val="0"/>
+              </a:spcBef>
+              <a:buClr>
+                <a:srgbClr val="FFFFFF"/>
+              </a:buClr>
+              <a:buChar char="●"/>
+            </a:pPr>
+            <a:r>
+              <a:rPr lang="en-GB">
+                <a:solidFill>
+                  <a:srgbClr val="FFFFFF"/>
+                </a:solidFill>
+              </a:rPr>
+              <a:t>AD_PERFORMANCE_REPORT</a:t>
+            </a:r>
+          </a:p>
+          <a:p>
+            <a:pPr indent="-228600" lvl="0" marL="457200" rtl="0">
+              <a:spcBef>
+                <a:spcPts val="0"/>
+              </a:spcBef>
+              <a:buClr>
+                <a:srgbClr val="FFFFFF"/>
+              </a:buClr>
+              <a:buChar char="●"/>
+            </a:pPr>
+            <a:r>
+              <a:rPr lang="en-GB">
+                <a:solidFill>
+                  <a:srgbClr val="FFFFFF"/>
+                </a:solidFill>
+              </a:rPr>
+              <a:t>AD_GROUP_PERFORMANCE_REPORT</a:t>
+            </a:r>
+          </a:p>
+          <a:p>
+            <a:pPr indent="-228600" lvl="0" marL="457200" rtl="0">
+              <a:spcBef>
+                <a:spcPts val="0"/>
+              </a:spcBef>
+              <a:buClr>
+                <a:srgbClr val="FFFFFF"/>
+              </a:buClr>
+              <a:buChar char="●"/>
+            </a:pPr>
+            <a:r>
+              <a:rPr lang="en-GB">
+                <a:solidFill>
+                  <a:srgbClr val="FFFFFF"/>
+                </a:solidFill>
+              </a:rPr>
+              <a:t>PAID_ORGANIC_QUERY_REPORT</a:t>
+            </a:r>
+          </a:p>
+          <a:p>
+            <a:pPr indent="-228600" lvl="0" marL="457200" rtl="0">
+              <a:spcBef>
+                <a:spcPts val="0"/>
+              </a:spcBef>
+              <a:buClr>
+                <a:srgbClr val="FFFFFF"/>
+              </a:buClr>
+              <a:buChar char="●"/>
+            </a:pPr>
+            <a:r>
+              <a:rPr lang="en-GB">
+                <a:solidFill>
+                  <a:srgbClr val="FFFFFF"/>
+                </a:solidFill>
+              </a:rPr>
+              <a:t>URLS_PERFORMANCE_REPORT</a:t>
+            </a:r>
+          </a:p>
+          <a:p>
+            <a:pPr indent="-228600" lvl="0" marL="457200" rtl="0">
+              <a:spcBef>
+                <a:spcPts val="0"/>
+              </a:spcBef>
+              <a:buClr>
+                <a:srgbClr val="FFFFFF"/>
+              </a:buClr>
+              <a:buChar char="●"/>
+            </a:pPr>
+            <a:r>
+              <a:rPr lang="en-GB">
+                <a:solidFill>
+                  <a:srgbClr val="FFFFFF"/>
+                </a:solidFill>
+              </a:rPr>
+              <a:t>There are a total of 43 types of reports!</a:t>
+            </a:r>
+          </a:p>
+        </p:txBody>
+      </p:sp>
+      <p:sp>
+        <p:nvSpPr>
+          <p:cNvPr id="233" name="Shape 233"/>
+          <p:cNvSpPr txBox="1"/>
+          <p:nvPr/>
+        </p:nvSpPr>
+        <p:spPr>
+          <a:xfrm>
+            <a:off x="438875" y="4568875"/>
+            <a:ext cx="5053500" cy="450300"/>
+          </a:xfrm>
+          <a:prstGeom prst="rect">
+            <a:avLst/>
+          </a:prstGeom>
+          <a:noFill/>
+          <a:ln>
+            <a:noFill/>
+          </a:ln>
+        </p:spPr>
+        <p:txBody>
+          <a:bodyPr anchorCtr="0" anchor="t" bIns="91425" lIns="91425" rIns="91425" tIns="91425">
+            <a:noAutofit/>
+          </a:bodyPr>
+          <a:lstStyle/>
+          <a:p>
+            <a:pPr lvl="0" rtl="0">
+              <a:lnSpc>
+                <a:spcPct val="115000"/>
+              </a:lnSpc>
+              <a:spcBef>
+                <a:spcPts val="0"/>
+              </a:spcBef>
+              <a:spcAft>
+                <a:spcPts val="1600"/>
+              </a:spcAft>
+              <a:buNone/>
+            </a:pPr>
+            <a:r>
+              <a:rPr lang="en-GB" sz="1100">
+                <a:solidFill>
+                  <a:srgbClr val="FFFFFF"/>
+                </a:solidFill>
+              </a:rPr>
+              <a:t>Source: </a:t>
+            </a:r>
+            <a:r>
+              <a:rPr lang="en-GB" sz="1100" u="sng">
+                <a:solidFill>
+                  <a:schemeClr val="accent5"/>
                 </a:solidFill>
                 <a:hlinkClick r:id="rId3"/>
               </a:rPr>
-              <a:t>https://adwords.google.com/home/</a:t>
-            </a:r>
-            <a:r>
-              <a:rPr lang="en-GB"/>
-              <a:t> </a:t>
-            </a:r>
-          </a:p>
-          <a:p>
-            <a:pPr lvl="0">
-              <a:spcBef>
-                <a:spcPts val="0"/>
-              </a:spcBef>
-              <a:buNone/>
-            </a:pPr>
-            <a:r>
-              <a:rPr b="1" lang="en-GB">
-                <a:solidFill>
-                  <a:srgbClr val="FFFFFF"/>
-                </a:solidFill>
-              </a:rPr>
-              <a:t>BI</a:t>
-            </a:r>
-            <a:r>
-              <a:rPr lang="en-GB">
-                <a:solidFill>
-                  <a:srgbClr val="FFFFFF"/>
-                </a:solidFill>
-              </a:rPr>
-              <a:t>:</a:t>
-            </a:r>
-            <a:r>
-              <a:rPr lang="en-GB"/>
-              <a:t> </a:t>
-            </a:r>
-            <a:r>
-              <a:rPr lang="en-GB" u="sng">
-                <a:solidFill>
-                  <a:schemeClr val="hlink"/>
-                </a:solidFill>
-                <a:hlinkClick r:id="rId4"/>
-              </a:rPr>
-              <a:t>https://gist.github.com/spaiva/745d901675bef85bebac77220df2b08f</a:t>
-            </a:r>
-            <a:r>
-              <a:rPr lang="en-GB"/>
-              <a:t> </a:t>
-            </a:r>
-          </a:p>
-          <a:p>
-            <a:pPr lvl="0">
-              <a:spcBef>
-                <a:spcPts val="0"/>
-              </a:spcBef>
-              <a:buNone/>
-            </a:pPr>
-            <a:r>
-              <a:rPr b="1" lang="en-GB">
-                <a:solidFill>
-                  <a:srgbClr val="FFFFFF"/>
-                </a:solidFill>
-              </a:rPr>
-              <a:t>Data Analysis</a:t>
-            </a:r>
-            <a:r>
-              <a:rPr lang="en-GB">
-                <a:solidFill>
-                  <a:srgbClr val="FFFFFF"/>
-                </a:solidFill>
-              </a:rPr>
-              <a:t>: </a:t>
-            </a:r>
-            <a:r>
-              <a:rPr lang="en-GB" u="sng">
-                <a:solidFill>
-                  <a:schemeClr val="hlink"/>
-                </a:solidFill>
-                <a:hlinkClick r:id="rId5"/>
-              </a:rPr>
-              <a:t>https://gist.github.com/spaiva/135bbb5e6392fa6c567fbe79fe2d297a</a:t>
-            </a:r>
-            <a:r>
-              <a:rPr lang="en-GB">
-                <a:solidFill>
-                  <a:srgbClr val="FFFFFF"/>
-                </a:solidFill>
-              </a:rPr>
+              <a:t>https://developers.google.com/adwords/api/docs/appendix/reports</a:t>
+            </a:r>
+            <a:r>
+              <a:rPr lang="en-GB" sz="1100"/>
               <a:t> </a:t>
             </a:r>
           </a:p>
@@ -9196,7 +9456,7 @@
   <p:cSld>
     <p:spTree>
       <p:nvGrpSpPr>
-        <p:cNvPr id="235" name="Shape 235"/>
+        <p:cNvPr id="237" name="Shape 237"/>
         <p:cNvGrpSpPr/>
         <p:nvPr/>
       </p:nvGrpSpPr>
@@ -9210,7 +9470,7 @@
       </p:grpSpPr>
       <p:sp>
         <p:nvSpPr>
-          <p:cNvPr id="236" name="Shape 236"/>
+          <p:cNvPr id="238" name="Shape 238"/>
           <p:cNvSpPr txBox="1"/>
           <p:nvPr>
             <p:ph type="title"/>
@@ -9239,14 +9499,14 @@
             </a:pPr>
             <a:r>
               <a:rPr b="1" lang="en-GB"/>
-              <a:t>Conclusion</a:t>
-            </a:r>
-          </a:p>
-        </p:txBody>
-      </p:sp>
-      <p:sp>
-        <p:nvSpPr>
-          <p:cNvPr id="237" name="Shape 237"/>
+              <a:t>Google Adwords</a:t>
+            </a:r>
+          </a:p>
+        </p:txBody>
+      </p:sp>
+      <p:sp>
+        <p:nvSpPr>
+          <p:cNvPr id="239" name="Shape 239"/>
           <p:cNvSpPr txBox="1"/>
           <p:nvPr>
             <p:ph idx="1" type="body"/>
@@ -9267,257 +9527,118 @@
           </a:bodyPr>
           <a:lstStyle/>
           <a:p>
-            <a:pPr indent="-317500" lvl="0" marL="457200" rtl="0">
-              <a:spcBef>
-                <a:spcPts val="0"/>
-              </a:spcBef>
-              <a:buClr>
-                <a:srgbClr val="FFFFFF"/>
-              </a:buClr>
-              <a:buSzPct val="100000"/>
-              <a:buChar char="●"/>
-            </a:pPr>
-            <a:r>
-              <a:rPr b="1" lang="en-GB" sz="1400">
-                <a:solidFill>
-                  <a:srgbClr val="FFFFFF"/>
-                </a:solidFill>
-              </a:rPr>
-              <a:t>Overview of BI Tools</a:t>
-            </a:r>
-          </a:p>
-          <a:p>
-            <a:pPr indent="-228600" lvl="1" marL="914400" rtl="0">
-              <a:spcBef>
-                <a:spcPts val="0"/>
-              </a:spcBef>
-              <a:buClr>
-                <a:srgbClr val="FFFFFF"/>
-              </a:buClr>
-              <a:buChar char="○"/>
-            </a:pPr>
+            <a:pPr lvl="0">
+              <a:spcBef>
+                <a:spcPts val="0"/>
+              </a:spcBef>
+              <a:buNone/>
+            </a:pPr>
+            <a:r>
+              <a:rPr b="1" lang="en-GB">
+                <a:solidFill>
+                  <a:srgbClr val="FFFFFF"/>
+                </a:solidFill>
+              </a:rPr>
+              <a:t>URL:</a:t>
+            </a:r>
+            <a:r>
+              <a:rPr b="1" lang="en-GB"/>
+              <a:t> </a:t>
+            </a:r>
+            <a:r>
+              <a:rPr lang="en-GB" u="sng">
+                <a:solidFill>
+                  <a:schemeClr val="hlink"/>
+                </a:solidFill>
+                <a:hlinkClick r:id="rId3"/>
+              </a:rPr>
+              <a:t>https://adwords.google.com/home/</a:t>
+            </a:r>
+            <a:r>
+              <a:rPr lang="en-GB"/>
+              <a:t> </a:t>
+            </a:r>
+          </a:p>
+          <a:p>
+            <a:pPr lvl="0">
+              <a:spcBef>
+                <a:spcPts val="0"/>
+              </a:spcBef>
+              <a:buNone/>
+            </a:pPr>
+            <a:r>
+              <a:rPr b="1" lang="en-GB">
+                <a:solidFill>
+                  <a:srgbClr val="FFFFFF"/>
+                </a:solidFill>
+              </a:rPr>
+              <a:t>BI</a:t>
+            </a:r>
             <a:r>
               <a:rPr lang="en-GB">
                 <a:solidFill>
                   <a:srgbClr val="FFFFFF"/>
                 </a:solidFill>
               </a:rPr>
-              <a:t>Excel, Looker, Tableau, TIBCO Spotfire, Stata</a:t>
-            </a:r>
-          </a:p>
-          <a:p>
-            <a:pPr indent="-228600" lvl="1" marL="914400" rtl="0">
-              <a:spcBef>
-                <a:spcPts val="0"/>
-              </a:spcBef>
-              <a:buClr>
-                <a:srgbClr val="FFFFFF"/>
-              </a:buClr>
-              <a:buChar char="○"/>
-            </a:pPr>
+              <a:t>:</a:t>
+            </a:r>
+            <a:r>
+              <a:rPr lang="en-GB"/>
+              <a:t> </a:t>
+            </a:r>
+            <a:r>
+              <a:rPr lang="en-GB" u="sng">
+                <a:solidFill>
+                  <a:schemeClr val="hlink"/>
+                </a:solidFill>
+                <a:hlinkClick r:id="rId4"/>
+              </a:rPr>
+              <a:t>https://gist.github.com/spaiva/745d901675bef85bebac77220df2b08f</a:t>
+            </a:r>
+            <a:r>
+              <a:rPr lang="en-GB"/>
+              <a:t> </a:t>
+            </a:r>
+          </a:p>
+          <a:p>
+            <a:pPr lvl="0">
+              <a:spcBef>
+                <a:spcPts val="0"/>
+              </a:spcBef>
+              <a:buNone/>
+            </a:pPr>
+            <a:r>
+              <a:rPr b="1" lang="en-GB">
+                <a:solidFill>
+                  <a:srgbClr val="FFFFFF"/>
+                </a:solidFill>
+              </a:rPr>
+              <a:t>Data Analysis</a:t>
+            </a:r>
             <a:r>
               <a:rPr lang="en-GB">
                 <a:solidFill>
                   <a:srgbClr val="FFFFFF"/>
                 </a:solidFill>
               </a:rPr>
-              <a:t>Attention of the consumer</a:t>
-            </a:r>
-          </a:p>
-          <a:p>
-            <a:pPr indent="-317500" lvl="0" marL="457200" rtl="0">
-              <a:spcBef>
-                <a:spcPts val="0"/>
-              </a:spcBef>
-              <a:buClr>
-                <a:srgbClr val="FFFFFF"/>
-              </a:buClr>
-              <a:buSzPct val="100000"/>
-              <a:buChar char="●"/>
-            </a:pPr>
-            <a:r>
-              <a:rPr b="1" lang="en-GB" sz="1400">
-                <a:solidFill>
-                  <a:srgbClr val="FFFFFF"/>
-                </a:solidFill>
-              </a:rPr>
-              <a:t>Custom BI Tool #1: Google Webmaster Tools (GWT)</a:t>
-            </a:r>
-          </a:p>
-          <a:p>
-            <a:pPr indent="-228600" lvl="1" marL="914400" rtl="0">
-              <a:spcBef>
-                <a:spcPts val="0"/>
-              </a:spcBef>
-              <a:buClr>
-                <a:srgbClr val="FFFFFF"/>
-              </a:buClr>
-              <a:buChar char="○"/>
-            </a:pPr>
+              <a:t>: </a:t>
+            </a:r>
+            <a:r>
+              <a:rPr lang="en-GB" u="sng">
+                <a:solidFill>
+                  <a:schemeClr val="hlink"/>
+                </a:solidFill>
+                <a:hlinkClick r:id="rId5"/>
+              </a:rPr>
+              <a:t>https://gist.github.com/spaiva/135bbb5e6392fa6c567fbe79fe2d297a</a:t>
+            </a:r>
             <a:r>
               <a:rPr lang="en-GB">
                 <a:solidFill>
                   <a:srgbClr val="FFFFFF"/>
                 </a:solidFill>
               </a:rPr>
-              <a:t>GTW Python Library (</a:t>
-            </a:r>
-            <a:r>
-              <a:rPr lang="en-GB">
-                <a:solidFill>
-                  <a:srgbClr val="FFFFFF"/>
-                </a:solidFill>
-                <a:latin typeface="Courier New"/>
-                <a:ea typeface="Courier New"/>
-                <a:cs typeface="Courier New"/>
-                <a:sym typeface="Courier New"/>
-              </a:rPr>
-              <a:t>gwt.py</a:t>
-            </a:r>
-            <a:r>
-              <a:rPr lang="en-GB">
-                <a:solidFill>
-                  <a:srgbClr val="FFFFFF"/>
-                </a:solidFill>
-              </a:rPr>
-              <a:t>)</a:t>
-            </a:r>
-          </a:p>
-          <a:p>
-            <a:pPr indent="-228600" lvl="1" marL="914400" rtl="0">
-              <a:spcBef>
-                <a:spcPts val="0"/>
-              </a:spcBef>
-              <a:buClr>
-                <a:srgbClr val="FFFFFF"/>
-              </a:buClr>
-              <a:buChar char="○"/>
-            </a:pPr>
-            <a:r>
-              <a:rPr lang="en-GB">
-                <a:solidFill>
-                  <a:srgbClr val="FFFFFF"/>
-                </a:solidFill>
-              </a:rPr>
-              <a:t>Custom SEO functions using Pandas (</a:t>
-            </a:r>
-            <a:r>
-              <a:rPr lang="en-GB">
-                <a:solidFill>
-                  <a:srgbClr val="FFFFFF"/>
-                </a:solidFill>
-                <a:latin typeface="Courier New"/>
-                <a:ea typeface="Courier New"/>
-                <a:cs typeface="Courier New"/>
-                <a:sym typeface="Courier New"/>
-              </a:rPr>
-              <a:t>df.py</a:t>
-            </a:r>
-            <a:r>
-              <a:rPr lang="en-GB">
-                <a:solidFill>
-                  <a:srgbClr val="FFFFFF"/>
-                </a:solidFill>
-              </a:rPr>
-              <a:t>)</a:t>
-            </a:r>
-          </a:p>
-          <a:p>
-            <a:pPr indent="-317500" lvl="0" marL="457200" rtl="0">
-              <a:spcBef>
-                <a:spcPts val="0"/>
-              </a:spcBef>
-              <a:buClr>
-                <a:srgbClr val="FFFFFF"/>
-              </a:buClr>
-              <a:buSzPct val="100000"/>
-              <a:buChar char="●"/>
-            </a:pPr>
-            <a:r>
-              <a:rPr b="1" lang="en-GB" sz="1400">
-                <a:solidFill>
-                  <a:srgbClr val="FFFFFF"/>
-                </a:solidFill>
-              </a:rPr>
-              <a:t>Custom BI Tool #2: Google Adwords</a:t>
-            </a:r>
-          </a:p>
-          <a:p>
-            <a:pPr indent="-228600" lvl="1" marL="914400" rtl="0">
-              <a:spcBef>
-                <a:spcPts val="0"/>
-              </a:spcBef>
-              <a:buClr>
-                <a:srgbClr val="FFFFFF"/>
-              </a:buClr>
-              <a:buChar char="○"/>
-            </a:pPr>
-            <a:r>
-              <a:rPr lang="en-GB">
-                <a:solidFill>
-                  <a:srgbClr val="FFFFFF"/>
-                </a:solidFill>
-              </a:rPr>
-              <a:t>GA Python Library (</a:t>
-            </a:r>
-            <a:r>
-              <a:rPr lang="en-GB">
-                <a:solidFill>
-                  <a:srgbClr val="FFFFFF"/>
-                </a:solidFill>
-                <a:latin typeface="Courier New"/>
-                <a:ea typeface="Courier New"/>
-                <a:cs typeface="Courier New"/>
-                <a:sym typeface="Courier New"/>
-              </a:rPr>
-              <a:t>ga.py</a:t>
-            </a:r>
-            <a:r>
-              <a:rPr lang="en-GB">
-                <a:solidFill>
-                  <a:srgbClr val="FFFFFF"/>
-                </a:solidFill>
-              </a:rPr>
-              <a:t>)</a:t>
-            </a:r>
-          </a:p>
-          <a:p>
-            <a:pPr indent="-228600" lvl="1" marL="914400" rtl="0">
-              <a:spcBef>
-                <a:spcPts val="0"/>
-              </a:spcBef>
-              <a:buClr>
-                <a:srgbClr val="FFFFFF"/>
-              </a:buClr>
-              <a:buChar char="○"/>
-            </a:pPr>
-            <a:r>
-              <a:rPr lang="en-GB">
-                <a:solidFill>
-                  <a:srgbClr val="FFFFFF"/>
-                </a:solidFill>
-              </a:rPr>
-              <a:t>Custom function using Pandas (</a:t>
-            </a:r>
-            <a:r>
-              <a:rPr lang="en-GB">
-                <a:solidFill>
-                  <a:srgbClr val="FFFFFF"/>
-                </a:solidFill>
-                <a:latin typeface="Courier New"/>
-                <a:ea typeface="Courier New"/>
-                <a:cs typeface="Courier New"/>
-                <a:sym typeface="Courier New"/>
-              </a:rPr>
-              <a:t>ga_models.py</a:t>
-            </a:r>
-            <a:r>
-              <a:rPr lang="en-GB">
-                <a:solidFill>
-                  <a:srgbClr val="FFFFFF"/>
-                </a:solidFill>
-              </a:rPr>
-              <a:t>)</a:t>
+              <a:t> </a:t>
             </a:r>
           </a:p>
         </p:txBody>
@@ -9535,7 +9656,7 @@
   <p:cSld>
     <p:spTree>
       <p:nvGrpSpPr>
-        <p:cNvPr id="241" name="Shape 241"/>
+        <p:cNvPr id="243" name="Shape 243"/>
         <p:cNvGrpSpPr/>
         <p:nvPr/>
       </p:nvGrpSpPr>
@@ -9549,7 +9670,518 @@
       </p:grpSpPr>
       <p:sp>
         <p:nvSpPr>
-          <p:cNvPr id="242" name="Shape 242"/>
+          <p:cNvPr id="244" name="Shape 244"/>
+          <p:cNvSpPr txBox="1"/>
+          <p:nvPr>
+            <p:ph type="title"/>
+          </p:nvPr>
+        </p:nvSpPr>
+        <p:spPr>
+          <a:xfrm>
+            <a:off x="311700" y="445025"/>
+            <a:ext cx="8520600" cy="572700"/>
+          </a:xfrm>
+          <a:prstGeom prst="rect">
+            <a:avLst/>
+          </a:prstGeom>
+        </p:spPr>
+        <p:txBody>
+          <a:bodyPr anchorCtr="0" anchor="t" bIns="91425" lIns="91425" rIns="91425" tIns="91425">
+            <a:noAutofit/>
+          </a:bodyPr>
+          <a:lstStyle/>
+          <a:p>
+            <a:pPr lvl="0">
+              <a:spcBef>
+                <a:spcPts val="0"/>
+              </a:spcBef>
+              <a:buNone/>
+            </a:pPr>
+            <a:r>
+              <a:rPr b="1" lang="en-GB"/>
+              <a:t>Future of BI</a:t>
+            </a:r>
+          </a:p>
+        </p:txBody>
+      </p:sp>
+      <p:sp>
+        <p:nvSpPr>
+          <p:cNvPr id="245" name="Shape 245"/>
+          <p:cNvSpPr txBox="1"/>
+          <p:nvPr>
+            <p:ph idx="1" type="body"/>
+          </p:nvPr>
+        </p:nvSpPr>
+        <p:spPr>
+          <a:xfrm>
+            <a:off x="311700" y="1152475"/>
+            <a:ext cx="8520600" cy="3372000"/>
+          </a:xfrm>
+          <a:prstGeom prst="rect">
+            <a:avLst/>
+          </a:prstGeom>
+        </p:spPr>
+        <p:txBody>
+          <a:bodyPr anchorCtr="0" anchor="t" bIns="91425" lIns="91425" rIns="91425" tIns="91425">
+            <a:noAutofit/>
+          </a:bodyPr>
+          <a:lstStyle/>
+          <a:p>
+            <a:pPr indent="-228600" lvl="0" marL="457200" rtl="0">
+              <a:spcBef>
+                <a:spcPts val="0"/>
+              </a:spcBef>
+              <a:buClr>
+                <a:srgbClr val="FFFFFF"/>
+              </a:buClr>
+              <a:buChar char="●"/>
+            </a:pPr>
+            <a:r>
+              <a:rPr lang="en-GB">
+                <a:solidFill>
+                  <a:srgbClr val="FFFFFF"/>
+                </a:solidFill>
+              </a:rPr>
+              <a:t>Security</a:t>
+            </a:r>
+          </a:p>
+          <a:p>
+            <a:pPr indent="-228600" lvl="0" marL="457200" rtl="0">
+              <a:spcBef>
+                <a:spcPts val="0"/>
+              </a:spcBef>
+              <a:buClr>
+                <a:srgbClr val="FFFFFF"/>
+              </a:buClr>
+              <a:buChar char="●"/>
+            </a:pPr>
+            <a:r>
+              <a:rPr lang="en-GB">
+                <a:solidFill>
+                  <a:srgbClr val="FFFFFF"/>
+                </a:solidFill>
+              </a:rPr>
+              <a:t>Privacy / Ethics</a:t>
+            </a:r>
+          </a:p>
+          <a:p>
+            <a:pPr indent="-228600" lvl="0" marL="457200" rtl="0">
+              <a:spcBef>
+                <a:spcPts val="0"/>
+              </a:spcBef>
+              <a:buClr>
+                <a:srgbClr val="FFFFFF"/>
+              </a:buClr>
+              <a:buChar char="●"/>
+            </a:pPr>
+            <a:r>
+              <a:rPr lang="en-GB">
+                <a:solidFill>
+                  <a:srgbClr val="FFFFFF"/>
+                </a:solidFill>
+              </a:rPr>
+              <a:t>Predictions and Call to Action</a:t>
+            </a:r>
+          </a:p>
+          <a:p>
+            <a:pPr indent="-228600" lvl="0" marL="457200">
+              <a:spcBef>
+                <a:spcPts val="0"/>
+              </a:spcBef>
+              <a:buClr>
+                <a:srgbClr val="FFFFFF"/>
+              </a:buClr>
+              <a:buChar char="●"/>
+            </a:pPr>
+            <a:r>
+              <a:rPr lang="en-GB">
+                <a:solidFill>
+                  <a:srgbClr val="FFFFFF"/>
+                </a:solidFill>
+              </a:rPr>
+              <a:t>*Customer </a:t>
+            </a:r>
+            <a:r>
+              <a:rPr lang="en-GB">
+                <a:solidFill>
+                  <a:srgbClr val="FFFFFF"/>
+                </a:solidFill>
+              </a:rPr>
+              <a:t>Retention*</a:t>
+            </a:r>
+          </a:p>
+        </p:txBody>
+      </p:sp>
+    </p:spTree>
+  </p:cSld>
+  <p:clrMapOvr>
+    <a:masterClrMapping/>
+  </p:clrMapOvr>
+</p:sld>
+</file>
+
+<file path=ppt/slides/slide27.xml><?xml version="1.0" encoding="utf-8"?>
+<p:sld xmlns:a="http://schemas.openxmlformats.org/drawingml/2006/main" xmlns:r="http://schemas.openxmlformats.org/officeDocument/2006/relationships" xmlns:mc="http://schemas.openxmlformats.org/markup-compatibility/2006" xmlns:mv="urn:schemas-microsoft-com:mac:vml" xmlns:p="http://schemas.openxmlformats.org/presentationml/2006/main" xmlns:c="http://schemas.openxmlformats.org/drawingml/2006/chart" xmlns:dgm="http://schemas.openxmlformats.org/drawingml/2006/diagram" xmlns:o="urn:schemas-microsoft-com:office:office" xmlns:v="urn:schemas-microsoft-com:vml" xmlns:pvml="urn:schemas-microsoft-com:office:powerpoint" xmlns:com="http://schemas.openxmlformats.org/drawingml/2006/compatibility" xmlns:p14="http://schemas.microsoft.com/office/powerpoint/2010/main">
+  <p:cSld>
+    <p:spTree>
+      <p:nvGrpSpPr>
+        <p:cNvPr id="249" name="Shape 249"/>
+        <p:cNvGrpSpPr/>
+        <p:nvPr/>
+      </p:nvGrpSpPr>
+      <p:grpSpPr>
+        <a:xfrm>
+          <a:off x="0" y="0"/>
+          <a:ext cx="0" cy="0"/>
+          <a:chOff x="0" y="0"/>
+          <a:chExt cx="0" cy="0"/>
+        </a:xfrm>
+      </p:grpSpPr>
+      <p:sp>
+        <p:nvSpPr>
+          <p:cNvPr id="250" name="Shape 250"/>
+          <p:cNvSpPr txBox="1"/>
+          <p:nvPr>
+            <p:ph type="title"/>
+          </p:nvPr>
+        </p:nvSpPr>
+        <p:spPr>
+          <a:xfrm>
+            <a:off x="311700" y="445025"/>
+            <a:ext cx="8520600" cy="572700"/>
+          </a:xfrm>
+          <a:prstGeom prst="rect">
+            <a:avLst/>
+          </a:prstGeom>
+        </p:spPr>
+        <p:txBody>
+          <a:bodyPr anchorCtr="0" anchor="t" bIns="91425" lIns="91425" rIns="91425" tIns="91425">
+            <a:noAutofit/>
+          </a:bodyPr>
+          <a:lstStyle/>
+          <a:p>
+            <a:pPr lvl="0">
+              <a:spcBef>
+                <a:spcPts val="0"/>
+              </a:spcBef>
+              <a:buNone/>
+            </a:pPr>
+            <a:r>
+              <a:rPr b="1" lang="en-GB"/>
+              <a:t>Conclusion</a:t>
+            </a:r>
+          </a:p>
+        </p:txBody>
+      </p:sp>
+      <p:sp>
+        <p:nvSpPr>
+          <p:cNvPr id="251" name="Shape 251"/>
+          <p:cNvSpPr txBox="1"/>
+          <p:nvPr>
+            <p:ph idx="1" type="body"/>
+          </p:nvPr>
+        </p:nvSpPr>
+        <p:spPr>
+          <a:xfrm>
+            <a:off x="311700" y="1152475"/>
+            <a:ext cx="8520600" cy="3416400"/>
+          </a:xfrm>
+          <a:prstGeom prst="rect">
+            <a:avLst/>
+          </a:prstGeom>
+        </p:spPr>
+        <p:txBody>
+          <a:bodyPr anchorCtr="0" anchor="t" bIns="91425" lIns="91425" rIns="91425" tIns="91425">
+            <a:noAutofit/>
+          </a:bodyPr>
+          <a:lstStyle/>
+          <a:p>
+            <a:pPr indent="-228600" lvl="0" marL="457200" rtl="0">
+              <a:spcBef>
+                <a:spcPts val="0"/>
+              </a:spcBef>
+              <a:buClr>
+                <a:srgbClr val="FFFFFF"/>
+              </a:buClr>
+              <a:buChar char="●"/>
+            </a:pPr>
+            <a:r>
+              <a:rPr b="1" lang="en-GB">
+                <a:solidFill>
+                  <a:srgbClr val="FFFFFF"/>
+                </a:solidFill>
+              </a:rPr>
+              <a:t>Overview of BI Tools</a:t>
+            </a:r>
+          </a:p>
+          <a:p>
+            <a:pPr indent="-342900" lvl="1" marL="914400" rtl="0">
+              <a:spcBef>
+                <a:spcPts val="0"/>
+              </a:spcBef>
+              <a:buClr>
+                <a:srgbClr val="FFFFFF"/>
+              </a:buClr>
+              <a:buSzPct val="100000"/>
+              <a:buChar char="○"/>
+            </a:pPr>
+            <a:r>
+              <a:rPr lang="en-GB" sz="1800">
+                <a:solidFill>
+                  <a:srgbClr val="FFFFFF"/>
+                </a:solidFill>
+              </a:rPr>
+              <a:t>Excel, Looker, Tableau, TIBCO Spotfire, Stata</a:t>
+            </a:r>
+          </a:p>
+          <a:p>
+            <a:pPr indent="-342900" lvl="1" marL="914400" rtl="0">
+              <a:spcBef>
+                <a:spcPts val="0"/>
+              </a:spcBef>
+              <a:buClr>
+                <a:srgbClr val="FFFFFF"/>
+              </a:buClr>
+              <a:buSzPct val="100000"/>
+              <a:buChar char="○"/>
+            </a:pPr>
+            <a:r>
+              <a:rPr lang="en-GB" sz="1800">
+                <a:solidFill>
+                  <a:srgbClr val="FFFFFF"/>
+                </a:solidFill>
+              </a:rPr>
+              <a:t>Attention of the consumer</a:t>
+            </a:r>
+          </a:p>
+          <a:p>
+            <a:pPr indent="-228600" lvl="0" marL="457200" rtl="0">
+              <a:spcBef>
+                <a:spcPts val="0"/>
+              </a:spcBef>
+              <a:buClr>
+                <a:srgbClr val="FFFFFF"/>
+              </a:buClr>
+              <a:buChar char="●"/>
+            </a:pPr>
+            <a:r>
+              <a:rPr b="1" lang="en-GB">
+                <a:solidFill>
+                  <a:srgbClr val="FFFFFF"/>
+                </a:solidFill>
+              </a:rPr>
+              <a:t>Custom BI Tool #1: Google Webmaster Tools (GWT)</a:t>
+            </a:r>
+          </a:p>
+          <a:p>
+            <a:pPr indent="-342900" lvl="1" marL="914400" rtl="0">
+              <a:spcBef>
+                <a:spcPts val="0"/>
+              </a:spcBef>
+              <a:buClr>
+                <a:srgbClr val="FFFFFF"/>
+              </a:buClr>
+              <a:buSzPct val="100000"/>
+              <a:buChar char="○"/>
+            </a:pPr>
+            <a:r>
+              <a:rPr lang="en-GB" sz="1800">
+                <a:solidFill>
+                  <a:srgbClr val="FFFFFF"/>
+                </a:solidFill>
+              </a:rPr>
+              <a:t>GTW Python Library (</a:t>
+            </a:r>
+            <a:r>
+              <a:rPr lang="en-GB" sz="1800">
+                <a:solidFill>
+                  <a:srgbClr val="FFFFFF"/>
+                </a:solidFill>
+                <a:latin typeface="Courier New"/>
+                <a:ea typeface="Courier New"/>
+                <a:cs typeface="Courier New"/>
+                <a:sym typeface="Courier New"/>
+              </a:rPr>
+              <a:t>gwt.py</a:t>
+            </a:r>
+            <a:r>
+              <a:rPr lang="en-GB" sz="1800">
+                <a:solidFill>
+                  <a:srgbClr val="FFFFFF"/>
+                </a:solidFill>
+              </a:rPr>
+              <a:t>)</a:t>
+            </a:r>
+          </a:p>
+          <a:p>
+            <a:pPr indent="-342900" lvl="1" marL="914400" rtl="0">
+              <a:spcBef>
+                <a:spcPts val="0"/>
+              </a:spcBef>
+              <a:buClr>
+                <a:srgbClr val="FFFFFF"/>
+              </a:buClr>
+              <a:buSzPct val="100000"/>
+              <a:buChar char="○"/>
+            </a:pPr>
+            <a:r>
+              <a:rPr lang="en-GB" sz="1800">
+                <a:solidFill>
+                  <a:srgbClr val="FFFFFF"/>
+                </a:solidFill>
+              </a:rPr>
+              <a:t>Custom SEO functions using Pandas (</a:t>
+            </a:r>
+            <a:r>
+              <a:rPr lang="en-GB" sz="1800">
+                <a:solidFill>
+                  <a:srgbClr val="FFFFFF"/>
+                </a:solidFill>
+                <a:latin typeface="Courier New"/>
+                <a:ea typeface="Courier New"/>
+                <a:cs typeface="Courier New"/>
+                <a:sym typeface="Courier New"/>
+              </a:rPr>
+              <a:t>df.py</a:t>
+            </a:r>
+            <a:r>
+              <a:rPr lang="en-GB" sz="1800">
+                <a:solidFill>
+                  <a:srgbClr val="FFFFFF"/>
+                </a:solidFill>
+              </a:rPr>
+              <a:t>)</a:t>
+            </a:r>
+          </a:p>
+          <a:p>
+            <a:pPr indent="-228600" lvl="0" marL="457200" rtl="0">
+              <a:spcBef>
+                <a:spcPts val="0"/>
+              </a:spcBef>
+              <a:buClr>
+                <a:srgbClr val="FFFFFF"/>
+              </a:buClr>
+              <a:buChar char="●"/>
+            </a:pPr>
+            <a:r>
+              <a:rPr b="1" lang="en-GB">
+                <a:solidFill>
+                  <a:srgbClr val="FFFFFF"/>
+                </a:solidFill>
+              </a:rPr>
+              <a:t>Custom BI Tool #2: Google Adwords</a:t>
+            </a:r>
+          </a:p>
+          <a:p>
+            <a:pPr indent="-342900" lvl="1" marL="914400" rtl="0">
+              <a:spcBef>
+                <a:spcPts val="0"/>
+              </a:spcBef>
+              <a:buClr>
+                <a:srgbClr val="FFFFFF"/>
+              </a:buClr>
+              <a:buSzPct val="100000"/>
+              <a:buChar char="○"/>
+            </a:pPr>
+            <a:r>
+              <a:rPr lang="en-GB" sz="1800">
+                <a:solidFill>
+                  <a:srgbClr val="FFFFFF"/>
+                </a:solidFill>
+              </a:rPr>
+              <a:t>GA Python Library (</a:t>
+            </a:r>
+            <a:r>
+              <a:rPr lang="en-GB" sz="1800">
+                <a:solidFill>
+                  <a:srgbClr val="FFFFFF"/>
+                </a:solidFill>
+                <a:latin typeface="Courier New"/>
+                <a:ea typeface="Courier New"/>
+                <a:cs typeface="Courier New"/>
+                <a:sym typeface="Courier New"/>
+              </a:rPr>
+              <a:t>ga.py</a:t>
+            </a:r>
+            <a:r>
+              <a:rPr lang="en-GB" sz="1800">
+                <a:solidFill>
+                  <a:srgbClr val="FFFFFF"/>
+                </a:solidFill>
+              </a:rPr>
+              <a:t>)</a:t>
+            </a:r>
+          </a:p>
+          <a:p>
+            <a:pPr indent="-342900" lvl="1" marL="914400" rtl="0">
+              <a:spcBef>
+                <a:spcPts val="0"/>
+              </a:spcBef>
+              <a:buClr>
+                <a:srgbClr val="FFFFFF"/>
+              </a:buClr>
+              <a:buSzPct val="100000"/>
+              <a:buChar char="○"/>
+            </a:pPr>
+            <a:r>
+              <a:rPr lang="en-GB" sz="1800">
+                <a:solidFill>
+                  <a:srgbClr val="FFFFFF"/>
+                </a:solidFill>
+              </a:rPr>
+              <a:t>Custom function using Pandas (</a:t>
+            </a:r>
+            <a:r>
+              <a:rPr lang="en-GB" sz="1800">
+                <a:solidFill>
+                  <a:srgbClr val="FFFFFF"/>
+                </a:solidFill>
+                <a:latin typeface="Courier New"/>
+                <a:ea typeface="Courier New"/>
+                <a:cs typeface="Courier New"/>
+                <a:sym typeface="Courier New"/>
+              </a:rPr>
+              <a:t>ga_models.py</a:t>
+            </a:r>
+            <a:r>
+              <a:rPr lang="en-GB" sz="1800">
+                <a:solidFill>
+                  <a:srgbClr val="FFFFFF"/>
+                </a:solidFill>
+              </a:rPr>
+              <a:t>)</a:t>
+            </a:r>
+          </a:p>
+        </p:txBody>
+      </p:sp>
+    </p:spTree>
+  </p:cSld>
+  <p:clrMapOvr>
+    <a:masterClrMapping/>
+  </p:clrMapOvr>
+</p:sld>
+</file>
+
+<file path=ppt/slides/slide28.xml><?xml version="1.0" encoding="utf-8"?>
+<p:sld xmlns:a="http://schemas.openxmlformats.org/drawingml/2006/main" xmlns:r="http://schemas.openxmlformats.org/officeDocument/2006/relationships" xmlns:mc="http://schemas.openxmlformats.org/markup-compatibility/2006" xmlns:mv="urn:schemas-microsoft-com:mac:vml" xmlns:p="http://schemas.openxmlformats.org/presentationml/2006/main" xmlns:c="http://schemas.openxmlformats.org/drawingml/2006/chart" xmlns:dgm="http://schemas.openxmlformats.org/drawingml/2006/diagram" xmlns:o="urn:schemas-microsoft-com:office:office" xmlns:v="urn:schemas-microsoft-com:vml" xmlns:pvml="urn:schemas-microsoft-com:office:powerpoint" xmlns:com="http://schemas.openxmlformats.org/drawingml/2006/compatibility" xmlns:p14="http://schemas.microsoft.com/office/powerpoint/2010/main">
+  <p:cSld>
+    <p:spTree>
+      <p:nvGrpSpPr>
+        <p:cNvPr id="255" name="Shape 255"/>
+        <p:cNvGrpSpPr/>
+        <p:nvPr/>
+      </p:nvGrpSpPr>
+      <p:grpSpPr>
+        <a:xfrm>
+          <a:off x="0" y="0"/>
+          <a:ext cx="0" cy="0"/>
+          <a:chOff x="0" y="0"/>
+          <a:chExt cx="0" cy="0"/>
+        </a:xfrm>
+      </p:grpSpPr>
+      <p:sp>
+        <p:nvSpPr>
+          <p:cNvPr id="256" name="Shape 256"/>
           <p:cNvSpPr txBox="1"/>
           <p:nvPr>
             <p:ph type="ctrTitle"/>
@@ -9585,7 +10217,7 @@
       </p:sp>
       <p:sp>
         <p:nvSpPr>
-          <p:cNvPr id="243" name="Shape 243"/>
+          <p:cNvPr id="257" name="Shape 257"/>
           <p:cNvSpPr txBox="1"/>
           <p:nvPr>
             <p:ph idx="1" type="subTitle"/>
@@ -9691,7 +10323,7 @@
       </p:sp>
       <p:sp>
         <p:nvSpPr>
-          <p:cNvPr id="244" name="Shape 244"/>
+          <p:cNvPr id="258" name="Shape 258"/>
           <p:cNvSpPr txBox="1"/>
           <p:nvPr>
             <p:ph type="ctrTitle"/>
